--- a/Classification Program Visual.pptx
+++ b/Classification Program Visual.pptx
@@ -104,6 +104,11 @@
       </a:defRPr>
     </a:lvl9pPr>
   </p:defaultTextStyle>
+  <p:extLst>
+    <p:ext uri="{EFAFB233-063F-42B5-8137-9DF3F51BA10A}">
+      <p15:sldGuideLst xmlns:p15="http://schemas.microsoft.com/office/powerpoint/2012/main"/>
+    </p:ext>
+  </p:extLst>
 </p:presentation>
 </file>
 
@@ -152,7 +157,6 @@
               <a:rPr lang="en-US"/>
               <a:t>Click to edit Master title style</a:t>
             </a:r>
-            <a:endParaRPr lang="en-US"/>
           </a:p>
         </p:txBody>
       </p:sp>
@@ -217,7 +221,6 @@
               <a:rPr lang="en-US"/>
               <a:t>Click to edit Master subtitle style</a:t>
             </a:r>
-            <a:endParaRPr lang="en-US"/>
           </a:p>
         </p:txBody>
       </p:sp>
@@ -238,7 +241,7 @@
           <a:p>
             <a:fld id="{3B093FB4-C1BD-4BBA-80A0-9B36A6FEF86E}" type="datetimeFigureOut">
               <a:rPr lang="en-US" smtClean="0"/>
-              <a:t>2/12/2017</a:t>
+              <a:t>2/13/2017</a:t>
             </a:fld>
             <a:endParaRPr lang="en-US"/>
           </a:p>
@@ -335,7 +338,6 @@
               <a:rPr lang="en-US"/>
               <a:t>Click to edit Master title style</a:t>
             </a:r>
-            <a:endParaRPr lang="en-US"/>
           </a:p>
         </p:txBody>
       </p:sp>
@@ -387,7 +389,6 @@
               <a:rPr lang="en-US"/>
               <a:t>Fifth level</a:t>
             </a:r>
-            <a:endParaRPr lang="en-US"/>
           </a:p>
         </p:txBody>
       </p:sp>
@@ -408,7 +409,7 @@
           <a:p>
             <a:fld id="{3B093FB4-C1BD-4BBA-80A0-9B36A6FEF86E}" type="datetimeFigureOut">
               <a:rPr lang="en-US" smtClean="0"/>
-              <a:t>2/12/2017</a:t>
+              <a:t>2/13/2017</a:t>
             </a:fld>
             <a:endParaRPr lang="en-US"/>
           </a:p>
@@ -510,7 +511,6 @@
               <a:rPr lang="en-US"/>
               <a:t>Click to edit Master title style</a:t>
             </a:r>
-            <a:endParaRPr lang="en-US"/>
           </a:p>
         </p:txBody>
       </p:sp>
@@ -567,7 +567,6 @@
               <a:rPr lang="en-US"/>
               <a:t>Fifth level</a:t>
             </a:r>
-            <a:endParaRPr lang="en-US"/>
           </a:p>
         </p:txBody>
       </p:sp>
@@ -588,7 +587,7 @@
           <a:p>
             <a:fld id="{3B093FB4-C1BD-4BBA-80A0-9B36A6FEF86E}" type="datetimeFigureOut">
               <a:rPr lang="en-US" smtClean="0"/>
-              <a:t>2/12/2017</a:t>
+              <a:t>2/13/2017</a:t>
             </a:fld>
             <a:endParaRPr lang="en-US"/>
           </a:p>
@@ -685,7 +684,6 @@
               <a:rPr lang="en-US"/>
               <a:t>Click to edit Master title style</a:t>
             </a:r>
-            <a:endParaRPr lang="en-US"/>
           </a:p>
         </p:txBody>
       </p:sp>
@@ -737,7 +735,6 @@
               <a:rPr lang="en-US"/>
               <a:t>Fifth level</a:t>
             </a:r>
-            <a:endParaRPr lang="en-US"/>
           </a:p>
         </p:txBody>
       </p:sp>
@@ -758,7 +755,7 @@
           <a:p>
             <a:fld id="{3B093FB4-C1BD-4BBA-80A0-9B36A6FEF86E}" type="datetimeFigureOut">
               <a:rPr lang="en-US" smtClean="0"/>
-              <a:t>2/12/2017</a:t>
+              <a:t>2/13/2017</a:t>
             </a:fld>
             <a:endParaRPr lang="en-US"/>
           </a:p>
@@ -864,7 +861,6 @@
               <a:rPr lang="en-US"/>
               <a:t>Click to edit Master title style</a:t>
             </a:r>
-            <a:endParaRPr lang="en-US"/>
           </a:p>
         </p:txBody>
       </p:sp>
@@ -1004,7 +1000,7 @@
           <a:p>
             <a:fld id="{3B093FB4-C1BD-4BBA-80A0-9B36A6FEF86E}" type="datetimeFigureOut">
               <a:rPr lang="en-US" smtClean="0"/>
-              <a:t>2/12/2017</a:t>
+              <a:t>2/13/2017</a:t>
             </a:fld>
             <a:endParaRPr lang="en-US"/>
           </a:p>
@@ -1101,7 +1097,6 @@
               <a:rPr lang="en-US"/>
               <a:t>Click to edit Master title style</a:t>
             </a:r>
-            <a:endParaRPr lang="en-US"/>
           </a:p>
         </p:txBody>
       </p:sp>
@@ -1158,7 +1153,6 @@
               <a:rPr lang="en-US"/>
               <a:t>Fifth level</a:t>
             </a:r>
-            <a:endParaRPr lang="en-US"/>
           </a:p>
         </p:txBody>
       </p:sp>
@@ -1215,7 +1209,6 @@
               <a:rPr lang="en-US"/>
               <a:t>Fifth level</a:t>
             </a:r>
-            <a:endParaRPr lang="en-US"/>
           </a:p>
         </p:txBody>
       </p:sp>
@@ -1236,7 +1229,7 @@
           <a:p>
             <a:fld id="{3B093FB4-C1BD-4BBA-80A0-9B36A6FEF86E}" type="datetimeFigureOut">
               <a:rPr lang="en-US" smtClean="0"/>
-              <a:t>2/12/2017</a:t>
+              <a:t>2/13/2017</a:t>
             </a:fld>
             <a:endParaRPr lang="en-US"/>
           </a:p>
@@ -1338,7 +1331,6 @@
               <a:rPr lang="en-US"/>
               <a:t>Click to edit Master title style</a:t>
             </a:r>
-            <a:endParaRPr lang="en-US"/>
           </a:p>
         </p:txBody>
       </p:sp>
@@ -1460,7 +1452,6 @@
               <a:rPr lang="en-US"/>
               <a:t>Fifth level</a:t>
             </a:r>
-            <a:endParaRPr lang="en-US"/>
           </a:p>
         </p:txBody>
       </p:sp>
@@ -1582,7 +1573,6 @@
               <a:rPr lang="en-US"/>
               <a:t>Fifth level</a:t>
             </a:r>
-            <a:endParaRPr lang="en-US"/>
           </a:p>
         </p:txBody>
       </p:sp>
@@ -1603,7 +1593,7 @@
           <a:p>
             <a:fld id="{3B093FB4-C1BD-4BBA-80A0-9B36A6FEF86E}" type="datetimeFigureOut">
               <a:rPr lang="en-US" smtClean="0"/>
-              <a:t>2/12/2017</a:t>
+              <a:t>2/13/2017</a:t>
             </a:fld>
             <a:endParaRPr lang="en-US"/>
           </a:p>
@@ -1700,7 +1690,6 @@
               <a:rPr lang="en-US"/>
               <a:t>Click to edit Master title style</a:t>
             </a:r>
-            <a:endParaRPr lang="en-US"/>
           </a:p>
         </p:txBody>
       </p:sp>
@@ -1721,7 +1710,7 @@
           <a:p>
             <a:fld id="{3B093FB4-C1BD-4BBA-80A0-9B36A6FEF86E}" type="datetimeFigureOut">
               <a:rPr lang="en-US" smtClean="0"/>
-              <a:t>2/12/2017</a:t>
+              <a:t>2/13/2017</a:t>
             </a:fld>
             <a:endParaRPr lang="en-US"/>
           </a:p>
@@ -1816,7 +1805,7 @@
           <a:p>
             <a:fld id="{3B093FB4-C1BD-4BBA-80A0-9B36A6FEF86E}" type="datetimeFigureOut">
               <a:rPr lang="en-US" smtClean="0"/>
-              <a:t>2/12/2017</a:t>
+              <a:t>2/13/2017</a:t>
             </a:fld>
             <a:endParaRPr lang="en-US"/>
           </a:p>
@@ -1922,7 +1911,6 @@
               <a:rPr lang="en-US"/>
               <a:t>Click to edit Master title style</a:t>
             </a:r>
-            <a:endParaRPr lang="en-US"/>
           </a:p>
         </p:txBody>
       </p:sp>
@@ -2007,7 +1995,6 @@
               <a:rPr lang="en-US"/>
               <a:t>Fifth level</a:t>
             </a:r>
-            <a:endParaRPr lang="en-US"/>
           </a:p>
         </p:txBody>
       </p:sp>
@@ -2093,7 +2080,7 @@
           <a:p>
             <a:fld id="{3B093FB4-C1BD-4BBA-80A0-9B36A6FEF86E}" type="datetimeFigureOut">
               <a:rPr lang="en-US" smtClean="0"/>
-              <a:t>2/12/2017</a:t>
+              <a:t>2/13/2017</a:t>
             </a:fld>
             <a:endParaRPr lang="en-US"/>
           </a:p>
@@ -2199,7 +2186,6 @@
               <a:rPr lang="en-US"/>
               <a:t>Click to edit Master title style</a:t>
             </a:r>
-            <a:endParaRPr lang="en-US"/>
           </a:p>
         </p:txBody>
       </p:sp>
@@ -2346,7 +2332,7 @@
           <a:p>
             <a:fld id="{3B093FB4-C1BD-4BBA-80A0-9B36A6FEF86E}" type="datetimeFigureOut">
               <a:rPr lang="en-US" smtClean="0"/>
-              <a:t>2/12/2017</a:t>
+              <a:t>2/13/2017</a:t>
             </a:fld>
             <a:endParaRPr lang="en-US"/>
           </a:p>
@@ -2458,7 +2444,6 @@
               <a:rPr lang="en-US"/>
               <a:t>Click to edit Master title style</a:t>
             </a:r>
-            <a:endParaRPr lang="en-US"/>
           </a:p>
         </p:txBody>
       </p:sp>
@@ -2520,7 +2505,6 @@
               <a:rPr lang="en-US"/>
               <a:t>Fifth level</a:t>
             </a:r>
-            <a:endParaRPr lang="en-US"/>
           </a:p>
         </p:txBody>
       </p:sp>
@@ -2559,7 +2543,7 @@
           <a:p>
             <a:fld id="{3B093FB4-C1BD-4BBA-80A0-9B36A6FEF86E}" type="datetimeFigureOut">
               <a:rPr lang="en-US" smtClean="0"/>
-              <a:t>2/12/2017</a:t>
+              <a:t>2/13/2017</a:t>
             </a:fld>
             <a:endParaRPr lang="en-US"/>
           </a:p>
@@ -2966,22 +2950,82 @@
       </p:grpSpPr>
       <p:sp>
         <p:nvSpPr>
-          <p:cNvPr id="55" name="Rectangle 54"/>
-          <p:cNvSpPr/>
+          <p:cNvPr id="6" name="TextBox 5"/>
+          <p:cNvSpPr txBox="1"/>
           <p:nvPr/>
         </p:nvSpPr>
         <p:spPr>
           <a:xfrm>
-            <a:off x="-150911" y="3083980"/>
-            <a:ext cx="12661773" cy="3997650"/>
+            <a:off x="2777588" y="288545"/>
+            <a:ext cx="7068312" cy="461665"/>
           </a:xfrm>
           <a:prstGeom prst="rect">
             <a:avLst/>
           </a:prstGeom>
+          <a:noFill/>
+        </p:spPr>
+        <p:txBody>
+          <a:bodyPr wrap="square" rtlCol="0">
+            <a:spAutoFit/>
+          </a:bodyPr>
+          <a:lstStyle/>
+          <a:p>
+            <a:pPr algn="ctr"/>
+            <a:r>
+              <a:rPr lang="en-US" sz="2400" u="sng" dirty="0"/>
+              <a:t>Classification Program</a:t>
+            </a:r>
+          </a:p>
+        </p:txBody>
+      </p:sp>
+      <p:sp>
+        <p:nvSpPr>
+          <p:cNvPr id="33" name="TextBox 32"/>
+          <p:cNvSpPr txBox="1"/>
+          <p:nvPr/>
+        </p:nvSpPr>
+        <p:spPr>
+          <a:xfrm>
+            <a:off x="5056914" y="1362653"/>
+            <a:ext cx="2505456" cy="369332"/>
+          </a:xfrm>
+          <a:prstGeom prst="rect">
+            <a:avLst/>
+          </a:prstGeom>
+          <a:noFill/>
+        </p:spPr>
+        <p:txBody>
+          <a:bodyPr wrap="square" rtlCol="0">
+            <a:spAutoFit/>
+          </a:bodyPr>
+          <a:lstStyle/>
+          <a:p>
+            <a:pPr algn="ctr"/>
+            <a:r>
+              <a:rPr lang="en-US" dirty="0"/>
+              <a:t>Classification Program</a:t>
+            </a:r>
+          </a:p>
+        </p:txBody>
+      </p:sp>
+      <p:sp>
+        <p:nvSpPr>
+          <p:cNvPr id="45" name="Rectangle: Rounded Corners 44"/>
+          <p:cNvSpPr/>
+          <p:nvPr/>
+        </p:nvSpPr>
+        <p:spPr>
+          <a:xfrm>
+            <a:off x="5097780" y="1724276"/>
+            <a:ext cx="2441448" cy="2944225"/>
+          </a:xfrm>
+          <a:prstGeom prst="roundRect">
+            <a:avLst/>
+          </a:prstGeom>
           <a:solidFill>
-            <a:schemeClr val="accent4">
-              <a:lumMod val="60000"/>
-              <a:lumOff val="40000"/>
+            <a:schemeClr val="accent6">
+              <a:lumMod val="40000"/>
+              <a:lumOff val="60000"/>
             </a:schemeClr>
           </a:solidFill>
         </p:spPr>
@@ -3006,30 +3050,65 @@
           <a:lstStyle/>
           <a:p>
             <a:pPr algn="ctr"/>
-            <a:endParaRPr lang="en-US" dirty="0"/>
-          </a:p>
-        </p:txBody>
-      </p:sp>
-      <p:sp>
-        <p:nvSpPr>
-          <p:cNvPr id="35" name="Rectangle 34"/>
-          <p:cNvSpPr/>
+            <a:endParaRPr lang="en-US"/>
+          </a:p>
+        </p:txBody>
+      </p:sp>
+      <p:sp>
+        <p:nvSpPr>
+          <p:cNvPr id="48" name="TextBox 47"/>
+          <p:cNvSpPr txBox="1"/>
           <p:nvPr/>
         </p:nvSpPr>
         <p:spPr>
           <a:xfrm>
-            <a:off x="-150911" y="264695"/>
-            <a:ext cx="12801600" cy="2894770"/>
+            <a:off x="5667423" y="1745220"/>
+            <a:ext cx="1410722" cy="369332"/>
           </a:xfrm>
           <a:prstGeom prst="rect">
             <a:avLst/>
           </a:prstGeom>
+          <a:noFill/>
+        </p:spPr>
+        <p:txBody>
+          <a:bodyPr wrap="square" rtlCol="0">
+            <a:spAutoFit/>
+          </a:bodyPr>
+          <a:lstStyle/>
+          <a:p>
+            <a:pPr algn="ctr"/>
+            <a:r>
+              <a:rPr lang="en-US" dirty="0"/>
+              <a:t>Image</a:t>
+            </a:r>
+          </a:p>
+        </p:txBody>
+      </p:sp>
+      <p:sp>
+        <p:nvSpPr>
+          <p:cNvPr id="50" name="Arrow: Down 49"/>
+          <p:cNvSpPr/>
+          <p:nvPr/>
+        </p:nvSpPr>
+        <p:spPr>
+          <a:xfrm>
+            <a:off x="6235516" y="2197621"/>
+            <a:ext cx="237835" cy="257970"/>
+          </a:xfrm>
+          <a:prstGeom prst="downArrow">
+            <a:avLst/>
+          </a:prstGeom>
           <a:solidFill>
-            <a:schemeClr val="accent6">
-              <a:lumMod val="40000"/>
-              <a:lumOff val="60000"/>
+            <a:schemeClr val="accent1">
+              <a:lumMod val="20000"/>
+              <a:lumOff val="80000"/>
             </a:schemeClr>
           </a:solidFill>
+          <a:ln>
+            <a:solidFill>
+              <a:schemeClr val="tx1"/>
+            </a:solidFill>
+          </a:ln>
         </p:spPr>
         <p:style>
           <a:lnRef idx="2">
@@ -3052,24 +3131,123 @@
           <a:lstStyle/>
           <a:p>
             <a:pPr algn="ctr"/>
-            <a:endParaRPr lang="en-US" dirty="0"/>
-          </a:p>
-        </p:txBody>
-      </p:sp>
-      <p:sp>
-        <p:nvSpPr>
-          <p:cNvPr id="102" name="Rectangle: Rounded Corners 101"/>
+            <a:endParaRPr lang="en-US"/>
+          </a:p>
+        </p:txBody>
+      </p:sp>
+      <p:sp>
+        <p:nvSpPr>
+          <p:cNvPr id="51" name="TextBox 50"/>
+          <p:cNvSpPr txBox="1"/>
+          <p:nvPr/>
+        </p:nvSpPr>
+        <p:spPr>
+          <a:xfrm>
+            <a:off x="5452606" y="4231611"/>
+            <a:ext cx="1803654" cy="369332"/>
+          </a:xfrm>
+          <a:prstGeom prst="rect">
+            <a:avLst/>
+          </a:prstGeom>
+          <a:noFill/>
+        </p:spPr>
+        <p:txBody>
+          <a:bodyPr wrap="square" rtlCol="0">
+            <a:spAutoFit/>
+          </a:bodyPr>
+          <a:lstStyle/>
+          <a:p>
+            <a:pPr algn="ctr"/>
+            <a:r>
+              <a:rPr lang="en-US" dirty="0"/>
+              <a:t>Classification</a:t>
+            </a:r>
+          </a:p>
+        </p:txBody>
+      </p:sp>
+      <p:sp>
+        <p:nvSpPr>
+          <p:cNvPr id="67" name="TextBox 66"/>
+          <p:cNvSpPr txBox="1"/>
+          <p:nvPr/>
+        </p:nvSpPr>
+        <p:spPr>
+          <a:xfrm>
+            <a:off x="9261955" y="2052362"/>
+            <a:ext cx="2191011" cy="923330"/>
+          </a:xfrm>
+          <a:prstGeom prst="rect">
+            <a:avLst/>
+          </a:prstGeom>
+          <a:noFill/>
+          <a:ln>
+            <a:solidFill>
+              <a:schemeClr val="tx1"/>
+            </a:solidFill>
+          </a:ln>
+        </p:spPr>
+        <p:txBody>
+          <a:bodyPr wrap="square" rtlCol="0">
+            <a:spAutoFit/>
+          </a:bodyPr>
+          <a:lstStyle/>
+          <a:p>
+            <a:pPr marL="285750" indent="-285750">
+              <a:buFontTx/>
+              <a:buChar char="-"/>
+            </a:pPr>
+            <a:r>
+              <a:rPr lang="en-US" dirty="0"/>
+              <a:t>Accuracies</a:t>
+            </a:r>
+          </a:p>
+          <a:p>
+            <a:pPr marL="285750" indent="-285750">
+              <a:buFontTx/>
+              <a:buChar char="-"/>
+            </a:pPr>
+            <a:r>
+              <a:rPr lang="en-US" dirty="0"/>
+              <a:t>Trained Model</a:t>
+            </a:r>
+          </a:p>
+          <a:p>
+            <a:pPr marL="285750" indent="-285750">
+              <a:buFontTx/>
+              <a:buChar char="-"/>
+            </a:pPr>
+            <a:r>
+              <a:rPr lang="en-US" dirty="0"/>
+              <a:t>Graphical Output</a:t>
+            </a:r>
+          </a:p>
+        </p:txBody>
+      </p:sp>
+      <p:sp>
+        <p:nvSpPr>
+          <p:cNvPr id="68" name="Arrow: Right 67"/>
           <p:cNvSpPr/>
           <p:nvPr/>
         </p:nvSpPr>
         <p:spPr>
           <a:xfrm>
-            <a:off x="71069" y="974527"/>
-            <a:ext cx="1216927" cy="315812"/>
-          </a:xfrm>
-          <a:prstGeom prst="roundRect">
+            <a:off x="7812170" y="2198660"/>
+            <a:ext cx="1096839" cy="630734"/>
+          </a:xfrm>
+          <a:prstGeom prst="rightArrow">
             <a:avLst/>
           </a:prstGeom>
+          <a:solidFill>
+            <a:schemeClr val="accent1">
+              <a:lumMod val="20000"/>
+              <a:lumOff val="80000"/>
+            </a:schemeClr>
+          </a:solidFill>
+          <a:ln>
+            <a:solidFill>
+              <a:schemeClr val="tx1"/>
+            </a:solidFill>
+          </a:ln>
         </p:spPr>
         <p:style>
           <a:lnRef idx="2">
@@ -3098,84 +3276,29 @@
       </p:sp>
       <p:sp>
         <p:nvSpPr>
-          <p:cNvPr id="6" name="TextBox 5"/>
-          <p:cNvSpPr txBox="1"/>
-          <p:nvPr/>
-        </p:nvSpPr>
-        <p:spPr>
-          <a:xfrm>
-            <a:off x="2535298" y="-91768"/>
-            <a:ext cx="7068312" cy="461665"/>
-          </a:xfrm>
-          <a:prstGeom prst="rect">
-            <a:avLst/>
-          </a:prstGeom>
-          <a:noFill/>
-        </p:spPr>
-        <p:txBody>
-          <a:bodyPr wrap="square" rtlCol="0">
-            <a:spAutoFit/>
-          </a:bodyPr>
-          <a:lstStyle/>
-          <a:p>
-            <a:pPr algn="ctr"/>
-            <a:r>
-              <a:rPr lang="en-US" sz="2400" dirty="0"/>
-              <a:t>Classification Program Flow Chart</a:t>
-            </a:r>
-          </a:p>
-        </p:txBody>
-      </p:sp>
-      <p:sp>
-        <p:nvSpPr>
-          <p:cNvPr id="33" name="TextBox 32"/>
-          <p:cNvSpPr txBox="1"/>
-          <p:nvPr/>
-        </p:nvSpPr>
-        <p:spPr>
-          <a:xfrm>
-            <a:off x="6788315" y="3458834"/>
-            <a:ext cx="2505456" cy="369332"/>
-          </a:xfrm>
-          <a:prstGeom prst="rect">
-            <a:avLst/>
-          </a:prstGeom>
-          <a:noFill/>
-        </p:spPr>
-        <p:txBody>
-          <a:bodyPr wrap="square" rtlCol="0">
-            <a:spAutoFit/>
-          </a:bodyPr>
-          <a:lstStyle/>
-          <a:p>
-            <a:pPr algn="ctr"/>
-            <a:r>
-              <a:rPr lang="en-US" dirty="0"/>
-              <a:t>Classification Program</a:t>
-            </a:r>
-          </a:p>
-        </p:txBody>
-      </p:sp>
-      <p:sp>
-        <p:nvSpPr>
-          <p:cNvPr id="38" name="Rectangle: Rounded Corners 37"/>
+          <p:cNvPr id="58" name="Arrow: Right 57"/>
           <p:cNvSpPr/>
           <p:nvPr/>
         </p:nvSpPr>
         <p:spPr>
           <a:xfrm>
-            <a:off x="80346" y="3815198"/>
-            <a:ext cx="5017499" cy="2944225"/>
-          </a:xfrm>
-          <a:prstGeom prst="roundRect">
+            <a:off x="7812169" y="3481535"/>
+            <a:ext cx="1096839" cy="630734"/>
+          </a:xfrm>
+          <a:prstGeom prst="rightArrow">
             <a:avLst/>
           </a:prstGeom>
           <a:solidFill>
-            <a:schemeClr val="accent2">
-              <a:lumMod val="40000"/>
-              <a:lumOff val="60000"/>
+            <a:schemeClr val="accent1">
+              <a:lumMod val="20000"/>
+              <a:lumOff val="80000"/>
             </a:schemeClr>
           </a:solidFill>
+          <a:ln>
+            <a:solidFill>
+              <a:schemeClr val="tx1"/>
+            </a:solidFill>
+          </a:ln>
         </p:spPr>
         <p:style>
           <a:lnRef idx="2">
@@ -3204,21 +3327,29 @@
       </p:sp>
       <p:sp>
         <p:nvSpPr>
-          <p:cNvPr id="106" name="Oval 105"/>
+          <p:cNvPr id="59" name="Arrow: Right 58"/>
           <p:cNvSpPr/>
           <p:nvPr/>
         </p:nvSpPr>
         <p:spPr>
           <a:xfrm>
-            <a:off x="3011614" y="3998084"/>
-            <a:ext cx="1712199" cy="490939"/>
-          </a:xfrm>
-          <a:prstGeom prst="ellipse">
+            <a:off x="3727999" y="2198660"/>
+            <a:ext cx="1096839" cy="630734"/>
+          </a:xfrm>
+          <a:prstGeom prst="rightArrow">
             <a:avLst/>
           </a:prstGeom>
           <a:solidFill>
-            <a:schemeClr val="bg1"/>
+            <a:schemeClr val="accent1">
+              <a:lumMod val="20000"/>
+              <a:lumOff val="80000"/>
+            </a:schemeClr>
           </a:solidFill>
+          <a:ln>
+            <a:solidFill>
+              <a:schemeClr val="tx1"/>
+            </a:solidFill>
+          </a:ln>
         </p:spPr>
         <p:style>
           <a:lnRef idx="2">
@@ -3247,21 +3378,137 @@
       </p:sp>
       <p:sp>
         <p:nvSpPr>
-          <p:cNvPr id="101" name="Oval 100"/>
+          <p:cNvPr id="2" name="TextBox 1"/>
+          <p:cNvSpPr txBox="1"/>
+          <p:nvPr/>
+        </p:nvSpPr>
+        <p:spPr>
+          <a:xfrm>
+            <a:off x="948507" y="2052362"/>
+            <a:ext cx="2506550" cy="923330"/>
+          </a:xfrm>
+          <a:prstGeom prst="rect">
+            <a:avLst/>
+          </a:prstGeom>
+          <a:noFill/>
+          <a:ln>
+            <a:solidFill>
+              <a:schemeClr val="tx1"/>
+            </a:solidFill>
+          </a:ln>
+        </p:spPr>
+        <p:txBody>
+          <a:bodyPr wrap="square" rtlCol="0">
+            <a:spAutoFit/>
+          </a:bodyPr>
+          <a:lstStyle/>
+          <a:p>
+            <a:r>
+              <a:rPr lang="en-US" u="sng" dirty="0"/>
+              <a:t>Training</a:t>
+            </a:r>
+          </a:p>
+          <a:p>
+            <a:pPr marL="285750" indent="-285750">
+              <a:buFontTx/>
+              <a:buChar char="-"/>
+            </a:pPr>
+            <a:r>
+              <a:rPr lang="en-US" dirty="0"/>
+              <a:t>Training Set</a:t>
+            </a:r>
+          </a:p>
+          <a:p>
+            <a:pPr marL="285750" indent="-285750">
+              <a:buFontTx/>
+              <a:buChar char="-"/>
+            </a:pPr>
+            <a:r>
+              <a:rPr lang="en-US" dirty="0"/>
+              <a:t>Validation Set</a:t>
+            </a:r>
+          </a:p>
+        </p:txBody>
+      </p:sp>
+      <p:sp>
+        <p:nvSpPr>
+          <p:cNvPr id="4" name="TextBox 3"/>
+          <p:cNvSpPr txBox="1"/>
+          <p:nvPr/>
+        </p:nvSpPr>
+        <p:spPr>
+          <a:xfrm>
+            <a:off x="948507" y="3335237"/>
+            <a:ext cx="2506550" cy="923330"/>
+          </a:xfrm>
+          <a:prstGeom prst="rect">
+            <a:avLst/>
+          </a:prstGeom>
+          <a:noFill/>
+          <a:ln>
+            <a:solidFill>
+              <a:schemeClr val="tx1"/>
+            </a:solidFill>
+          </a:ln>
+        </p:spPr>
+        <p:txBody>
+          <a:bodyPr wrap="square" rtlCol="0">
+            <a:spAutoFit/>
+          </a:bodyPr>
+          <a:lstStyle/>
+          <a:p>
+            <a:r>
+              <a:rPr lang="en-US" u="sng" dirty="0"/>
+              <a:t>Classification</a:t>
+            </a:r>
+          </a:p>
+          <a:p>
+            <a:pPr marL="285750" indent="-285750">
+              <a:buFontTx/>
+              <a:buChar char="-"/>
+            </a:pPr>
+            <a:r>
+              <a:rPr lang="en-US" dirty="0"/>
+              <a:t>Trained Model</a:t>
+            </a:r>
+          </a:p>
+          <a:p>
+            <a:pPr marL="285750" indent="-285750">
+              <a:buFontTx/>
+              <a:buChar char="-"/>
+            </a:pPr>
+            <a:r>
+              <a:rPr lang="en-US" dirty="0"/>
+              <a:t>Actual Set</a:t>
+            </a:r>
+          </a:p>
+        </p:txBody>
+      </p:sp>
+      <p:sp>
+        <p:nvSpPr>
+          <p:cNvPr id="70" name="Arrow: Right 69"/>
           <p:cNvSpPr/>
           <p:nvPr/>
         </p:nvSpPr>
         <p:spPr>
           <a:xfrm>
-            <a:off x="793407" y="4014119"/>
-            <a:ext cx="1551878" cy="489447"/>
-          </a:xfrm>
-          <a:prstGeom prst="ellipse">
+            <a:off x="3727999" y="3481535"/>
+            <a:ext cx="1096839" cy="630734"/>
+          </a:xfrm>
+          <a:prstGeom prst="rightArrow">
             <a:avLst/>
           </a:prstGeom>
           <a:solidFill>
-            <a:schemeClr val="bg1"/>
+            <a:schemeClr val="accent1">
+              <a:lumMod val="20000"/>
+              <a:lumOff val="80000"/>
+            </a:schemeClr>
           </a:solidFill>
+          <a:ln>
+            <a:solidFill>
+              <a:schemeClr val="tx1"/>
+            </a:solidFill>
+          </a:ln>
         </p:spPr>
         <p:style>
           <a:lnRef idx="2">
@@ -3290,18 +3537,515 @@
       </p:sp>
       <p:sp>
         <p:nvSpPr>
-          <p:cNvPr id="39" name="Rectangle 38"/>
-          <p:cNvSpPr/>
+          <p:cNvPr id="8" name="TextBox 7"/>
+          <p:cNvSpPr txBox="1"/>
           <p:nvPr/>
         </p:nvSpPr>
         <p:spPr>
           <a:xfrm>
-            <a:off x="1701170" y="4992219"/>
-            <a:ext cx="1766266" cy="485819"/>
+            <a:off x="9261954" y="3430456"/>
+            <a:ext cx="2191012" cy="646331"/>
           </a:xfrm>
           <a:prstGeom prst="rect">
             <a:avLst/>
           </a:prstGeom>
+          <a:noFill/>
+          <a:ln>
+            <a:solidFill>
+              <a:schemeClr val="tx1"/>
+            </a:solidFill>
+          </a:ln>
+        </p:spPr>
+        <p:txBody>
+          <a:bodyPr wrap="square" rtlCol="0">
+            <a:spAutoFit/>
+          </a:bodyPr>
+          <a:lstStyle/>
+          <a:p>
+            <a:pPr marL="285750" indent="-285750">
+              <a:buFontTx/>
+              <a:buChar char="-"/>
+            </a:pPr>
+            <a:r>
+              <a:rPr lang="en-US" dirty="0"/>
+              <a:t>Classifications</a:t>
+            </a:r>
+          </a:p>
+          <a:p>
+            <a:pPr marL="285750" indent="-285750">
+              <a:buFontTx/>
+              <a:buChar char="-"/>
+            </a:pPr>
+            <a:r>
+              <a:rPr lang="en-US" dirty="0"/>
+              <a:t>Graphical Output</a:t>
+            </a:r>
+          </a:p>
+        </p:txBody>
+      </p:sp>
+      <p:sp>
+        <p:nvSpPr>
+          <p:cNvPr id="9" name="TextBox 8"/>
+          <p:cNvSpPr txBox="1"/>
+          <p:nvPr/>
+        </p:nvSpPr>
+        <p:spPr>
+          <a:xfrm>
+            <a:off x="3647996" y="1829328"/>
+            <a:ext cx="1249637" cy="369332"/>
+          </a:xfrm>
+          <a:prstGeom prst="rect">
+            <a:avLst/>
+          </a:prstGeom>
+          <a:noFill/>
+        </p:spPr>
+        <p:txBody>
+          <a:bodyPr wrap="square" rtlCol="0">
+            <a:spAutoFit/>
+          </a:bodyPr>
+          <a:lstStyle/>
+          <a:p>
+            <a:pPr algn="ctr"/>
+            <a:r>
+              <a:rPr lang="en-US" u="sng" dirty="0"/>
+              <a:t>Input</a:t>
+            </a:r>
+          </a:p>
+        </p:txBody>
+      </p:sp>
+      <p:sp>
+        <p:nvSpPr>
+          <p:cNvPr id="72" name="TextBox 71"/>
+          <p:cNvSpPr txBox="1"/>
+          <p:nvPr/>
+        </p:nvSpPr>
+        <p:spPr>
+          <a:xfrm>
+            <a:off x="7739375" y="1828288"/>
+            <a:ext cx="1249637" cy="369332"/>
+          </a:xfrm>
+          <a:prstGeom prst="rect">
+            <a:avLst/>
+          </a:prstGeom>
+          <a:noFill/>
+        </p:spPr>
+        <p:txBody>
+          <a:bodyPr wrap="square" rtlCol="0">
+            <a:spAutoFit/>
+          </a:bodyPr>
+          <a:lstStyle/>
+          <a:p>
+            <a:pPr algn="ctr"/>
+            <a:r>
+              <a:rPr lang="en-US" u="sng" dirty="0"/>
+              <a:t>Output</a:t>
+            </a:r>
+          </a:p>
+        </p:txBody>
+      </p:sp>
+      <p:sp>
+        <p:nvSpPr>
+          <p:cNvPr id="11" name="TextBox 10"/>
+          <p:cNvSpPr txBox="1"/>
+          <p:nvPr/>
+        </p:nvSpPr>
+        <p:spPr>
+          <a:xfrm>
+            <a:off x="1096166" y="1532085"/>
+            <a:ext cx="2211232" cy="369332"/>
+          </a:xfrm>
+          <a:prstGeom prst="rect">
+            <a:avLst/>
+          </a:prstGeom>
+          <a:noFill/>
+        </p:spPr>
+        <p:txBody>
+          <a:bodyPr wrap="square" rtlCol="0">
+            <a:spAutoFit/>
+          </a:bodyPr>
+          <a:lstStyle/>
+          <a:p>
+            <a:pPr algn="ctr"/>
+            <a:r>
+              <a:rPr lang="en-US" u="sng" dirty="0"/>
+              <a:t>Mandatory Options</a:t>
+            </a:r>
+          </a:p>
+        </p:txBody>
+      </p:sp>
+      <p:sp>
+        <p:nvSpPr>
+          <p:cNvPr id="12" name="TextBox 11"/>
+          <p:cNvSpPr txBox="1"/>
+          <p:nvPr/>
+        </p:nvSpPr>
+        <p:spPr>
+          <a:xfrm>
+            <a:off x="333862" y="2139585"/>
+            <a:ext cx="502920" cy="369332"/>
+          </a:xfrm>
+          <a:prstGeom prst="rect">
+            <a:avLst/>
+          </a:prstGeom>
+          <a:noFill/>
+        </p:spPr>
+        <p:txBody>
+          <a:bodyPr wrap="square" rtlCol="0">
+            <a:spAutoFit/>
+          </a:bodyPr>
+          <a:lstStyle/>
+          <a:p>
+            <a:r>
+              <a:rPr lang="en-US" dirty="0"/>
+              <a:t>1.</a:t>
+            </a:r>
+          </a:p>
+        </p:txBody>
+      </p:sp>
+      <p:sp>
+        <p:nvSpPr>
+          <p:cNvPr id="13" name="TextBox 12"/>
+          <p:cNvSpPr txBox="1"/>
+          <p:nvPr/>
+        </p:nvSpPr>
+        <p:spPr>
+          <a:xfrm>
+            <a:off x="323013" y="3335237"/>
+            <a:ext cx="524618" cy="369332"/>
+          </a:xfrm>
+          <a:prstGeom prst="rect">
+            <a:avLst/>
+          </a:prstGeom>
+          <a:noFill/>
+        </p:spPr>
+        <p:txBody>
+          <a:bodyPr wrap="square" rtlCol="0">
+            <a:spAutoFit/>
+          </a:bodyPr>
+          <a:lstStyle/>
+          <a:p>
+            <a:r>
+              <a:rPr lang="en-US" dirty="0"/>
+              <a:t>2.</a:t>
+            </a:r>
+          </a:p>
+        </p:txBody>
+      </p:sp>
+      <p:sp>
+        <p:nvSpPr>
+          <p:cNvPr id="14" name="TextBox 13"/>
+          <p:cNvSpPr txBox="1"/>
+          <p:nvPr/>
+        </p:nvSpPr>
+        <p:spPr>
+          <a:xfrm>
+            <a:off x="3566782" y="2375527"/>
+            <a:ext cx="1059683" cy="276999"/>
+          </a:xfrm>
+          <a:prstGeom prst="rect">
+            <a:avLst/>
+          </a:prstGeom>
+          <a:noFill/>
+        </p:spPr>
+        <p:txBody>
+          <a:bodyPr wrap="square" rtlCol="0">
+            <a:spAutoFit/>
+          </a:bodyPr>
+          <a:lstStyle/>
+          <a:p>
+            <a:pPr algn="ctr"/>
+            <a:r>
+              <a:rPr lang="en-US" sz="1200" dirty="0"/>
+              <a:t>Option 1</a:t>
+            </a:r>
+          </a:p>
+        </p:txBody>
+      </p:sp>
+      <p:sp>
+        <p:nvSpPr>
+          <p:cNvPr id="74" name="TextBox 73"/>
+          <p:cNvSpPr txBox="1"/>
+          <p:nvPr/>
+        </p:nvSpPr>
+        <p:spPr>
+          <a:xfrm>
+            <a:off x="7666236" y="2375527"/>
+            <a:ext cx="1059683" cy="276999"/>
+          </a:xfrm>
+          <a:prstGeom prst="rect">
+            <a:avLst/>
+          </a:prstGeom>
+          <a:noFill/>
+        </p:spPr>
+        <p:txBody>
+          <a:bodyPr wrap="square" rtlCol="0">
+            <a:spAutoFit/>
+          </a:bodyPr>
+          <a:lstStyle/>
+          <a:p>
+            <a:pPr algn="ctr"/>
+            <a:r>
+              <a:rPr lang="en-US" sz="1200" dirty="0"/>
+              <a:t>Option 1</a:t>
+            </a:r>
+          </a:p>
+        </p:txBody>
+      </p:sp>
+      <p:sp>
+        <p:nvSpPr>
+          <p:cNvPr id="76" name="TextBox 75"/>
+          <p:cNvSpPr txBox="1"/>
+          <p:nvPr/>
+        </p:nvSpPr>
+        <p:spPr>
+          <a:xfrm>
+            <a:off x="3555933" y="3658402"/>
+            <a:ext cx="1059683" cy="276999"/>
+          </a:xfrm>
+          <a:prstGeom prst="rect">
+            <a:avLst/>
+          </a:prstGeom>
+          <a:noFill/>
+        </p:spPr>
+        <p:txBody>
+          <a:bodyPr wrap="square" rtlCol="0">
+            <a:spAutoFit/>
+          </a:bodyPr>
+          <a:lstStyle/>
+          <a:p>
+            <a:pPr algn="ctr"/>
+            <a:r>
+              <a:rPr lang="en-US" sz="1200" dirty="0"/>
+              <a:t>Option 2</a:t>
+            </a:r>
+          </a:p>
+        </p:txBody>
+      </p:sp>
+      <p:sp>
+        <p:nvSpPr>
+          <p:cNvPr id="79" name="TextBox 78"/>
+          <p:cNvSpPr txBox="1"/>
+          <p:nvPr/>
+        </p:nvSpPr>
+        <p:spPr>
+          <a:xfrm>
+            <a:off x="7666235" y="3658402"/>
+            <a:ext cx="1059683" cy="276999"/>
+          </a:xfrm>
+          <a:prstGeom prst="rect">
+            <a:avLst/>
+          </a:prstGeom>
+          <a:noFill/>
+        </p:spPr>
+        <p:txBody>
+          <a:bodyPr wrap="square" rtlCol="0">
+            <a:spAutoFit/>
+          </a:bodyPr>
+          <a:lstStyle/>
+          <a:p>
+            <a:pPr algn="ctr"/>
+            <a:r>
+              <a:rPr lang="en-US" sz="1200" dirty="0"/>
+              <a:t>Option 2</a:t>
+            </a:r>
+          </a:p>
+        </p:txBody>
+      </p:sp>
+      <p:cxnSp>
+        <p:nvCxnSpPr>
+          <p:cNvPr id="17" name="Straight Connector 16"/>
+          <p:cNvCxnSpPr/>
+          <p:nvPr/>
+        </p:nvCxnSpPr>
+        <p:spPr>
+          <a:xfrm flipV="1">
+            <a:off x="-128016" y="5513832"/>
+            <a:ext cx="12563856" cy="9144"/>
+          </a:xfrm>
+          <a:prstGeom prst="line">
+            <a:avLst/>
+          </a:prstGeom>
+        </p:spPr>
+        <p:style>
+          <a:lnRef idx="1">
+            <a:schemeClr val="accent1"/>
+          </a:lnRef>
+          <a:fillRef idx="0">
+            <a:schemeClr val="accent1"/>
+          </a:fillRef>
+          <a:effectRef idx="0">
+            <a:schemeClr val="accent1"/>
+          </a:effectRef>
+          <a:fontRef idx="minor">
+            <a:schemeClr val="tx1"/>
+          </a:fontRef>
+        </p:style>
+      </p:cxnSp>
+      <p:sp>
+        <p:nvSpPr>
+          <p:cNvPr id="18" name="TextBox 17"/>
+          <p:cNvSpPr txBox="1"/>
+          <p:nvPr/>
+        </p:nvSpPr>
+        <p:spPr>
+          <a:xfrm>
+            <a:off x="128016" y="5552100"/>
+            <a:ext cx="4655568" cy="1477328"/>
+          </a:xfrm>
+          <a:prstGeom prst="rect">
+            <a:avLst/>
+          </a:prstGeom>
+          <a:noFill/>
+        </p:spPr>
+        <p:txBody>
+          <a:bodyPr wrap="square" rtlCol="0">
+            <a:spAutoFit/>
+          </a:bodyPr>
+          <a:lstStyle/>
+          <a:p>
+            <a:pPr marL="285750" indent="-285750">
+              <a:buFont typeface="Arial" panose="020B0604020202020204" pitchFamily="34" charset="0"/>
+              <a:buChar char="•"/>
+            </a:pPr>
+            <a:r>
+              <a:rPr lang="en-US" dirty="0"/>
+              <a:t>A set is the file directory with all images</a:t>
+            </a:r>
+          </a:p>
+          <a:p>
+            <a:pPr marL="285750" indent="-285750">
+              <a:buFont typeface="Arial" panose="020B0604020202020204" pitchFamily="34" charset="0"/>
+              <a:buChar char="•"/>
+            </a:pPr>
+            <a:r>
+              <a:rPr lang="en-US" dirty="0"/>
+              <a:t>Non-mandatory options include:</a:t>
+            </a:r>
+          </a:p>
+          <a:p>
+            <a:pPr marL="800100" lvl="1" indent="-342900">
+              <a:buFont typeface="+mj-lt"/>
+              <a:buAutoNum type="arabicPeriod"/>
+            </a:pPr>
+            <a:r>
+              <a:rPr lang="en-US" dirty="0"/>
+              <a:t>Show </a:t>
+            </a:r>
+            <a:r>
+              <a:rPr lang="en-US" dirty="0" err="1"/>
+              <a:t>blobifications</a:t>
+            </a:r>
+            <a:endParaRPr lang="en-US" dirty="0"/>
+          </a:p>
+          <a:p>
+            <a:pPr marL="800100" lvl="1" indent="-342900">
+              <a:buFont typeface="+mj-lt"/>
+              <a:buAutoNum type="arabicPeriod"/>
+            </a:pPr>
+            <a:r>
+              <a:rPr lang="en-US" dirty="0"/>
+              <a:t>Show sample</a:t>
+            </a:r>
+          </a:p>
+          <a:p>
+            <a:pPr marL="285750" indent="-285750">
+              <a:buFont typeface="Arial" panose="020B0604020202020204" pitchFamily="34" charset="0"/>
+              <a:buChar char="•"/>
+            </a:pPr>
+            <a:endParaRPr lang="en-US" dirty="0"/>
+          </a:p>
+        </p:txBody>
+      </p:sp>
+      <p:cxnSp>
+        <p:nvCxnSpPr>
+          <p:cNvPr id="20" name="Straight Connector 19"/>
+          <p:cNvCxnSpPr/>
+          <p:nvPr/>
+        </p:nvCxnSpPr>
+        <p:spPr>
+          <a:xfrm>
+            <a:off x="6318504" y="5522976"/>
+            <a:ext cx="18288" cy="1596897"/>
+          </a:xfrm>
+          <a:prstGeom prst="line">
+            <a:avLst/>
+          </a:prstGeom>
+        </p:spPr>
+        <p:style>
+          <a:lnRef idx="1">
+            <a:schemeClr val="accent1"/>
+          </a:lnRef>
+          <a:fillRef idx="0">
+            <a:schemeClr val="accent1"/>
+          </a:fillRef>
+          <a:effectRef idx="0">
+            <a:schemeClr val="accent1"/>
+          </a:effectRef>
+          <a:fontRef idx="minor">
+            <a:schemeClr val="tx1"/>
+          </a:fontRef>
+        </p:style>
+      </p:cxnSp>
+      <p:sp>
+        <p:nvSpPr>
+          <p:cNvPr id="84" name="TextBox 83"/>
+          <p:cNvSpPr txBox="1"/>
+          <p:nvPr/>
+        </p:nvSpPr>
+        <p:spPr>
+          <a:xfrm>
+            <a:off x="6454392" y="5554332"/>
+            <a:ext cx="5643120" cy="1200329"/>
+          </a:xfrm>
+          <a:prstGeom prst="rect">
+            <a:avLst/>
+          </a:prstGeom>
+          <a:noFill/>
+        </p:spPr>
+        <p:txBody>
+          <a:bodyPr wrap="square" rtlCol="0">
+            <a:spAutoFit/>
+          </a:bodyPr>
+          <a:lstStyle/>
+          <a:p>
+            <a:pPr marL="285750" indent="-285750">
+              <a:buFont typeface="Arial" panose="020B0604020202020204" pitchFamily="34" charset="0"/>
+              <a:buChar char="•"/>
+            </a:pPr>
+            <a:r>
+              <a:rPr lang="en-US" dirty="0"/>
+              <a:t>Option 1 graphic output: accuracy improvement rate based on training</a:t>
+            </a:r>
+          </a:p>
+          <a:p>
+            <a:pPr marL="285750" indent="-285750">
+              <a:buFont typeface="Arial" panose="020B0604020202020204" pitchFamily="34" charset="0"/>
+              <a:buChar char="•"/>
+            </a:pPr>
+            <a:r>
+              <a:rPr lang="en-US" dirty="0"/>
+              <a:t>Option 2 graphic output: actual image and classified image with coloring for different classifications</a:t>
+            </a:r>
+          </a:p>
+        </p:txBody>
+      </p:sp>
+      <p:sp>
+        <p:nvSpPr>
+          <p:cNvPr id="23" name="Rectangle: Rounded Corners 22"/>
+          <p:cNvSpPr/>
+          <p:nvPr/>
+        </p:nvSpPr>
+        <p:spPr>
+          <a:xfrm>
+            <a:off x="5706808" y="2547911"/>
+            <a:ext cx="1284767" cy="426477"/>
+          </a:xfrm>
+          <a:prstGeom prst="roundRect">
+            <a:avLst/>
+          </a:prstGeom>
+          <a:solidFill>
+            <a:schemeClr val="bg1"/>
+          </a:solidFill>
         </p:spPr>
         <p:style>
           <a:lnRef idx="2">
@@ -3330,14 +4074,14 @@
       </p:sp>
       <p:sp>
         <p:nvSpPr>
-          <p:cNvPr id="40" name="TextBox 39"/>
+          <p:cNvPr id="89" name="TextBox 88"/>
           <p:cNvSpPr txBox="1"/>
           <p:nvPr/>
         </p:nvSpPr>
         <p:spPr>
           <a:xfrm>
-            <a:off x="2002922" y="5084703"/>
-            <a:ext cx="1210521" cy="369332"/>
+            <a:off x="5645605" y="2599332"/>
+            <a:ext cx="1407172" cy="276999"/>
           </a:xfrm>
           <a:prstGeom prst="rect">
             <a:avLst/>
@@ -3352,56 +4096,37 @@
           <a:p>
             <a:pPr algn="ctr"/>
             <a:r>
-              <a:rPr lang="en-US" dirty="0"/>
-              <a:t>Classifier</a:t>
-            </a:r>
-          </a:p>
-        </p:txBody>
-      </p:sp>
-      <p:sp>
-        <p:nvSpPr>
-          <p:cNvPr id="41" name="TextBox 40"/>
-          <p:cNvSpPr txBox="1"/>
-          <p:nvPr/>
-        </p:nvSpPr>
-        <p:spPr>
-          <a:xfrm>
-            <a:off x="710189" y="4072643"/>
-            <a:ext cx="1732557" cy="369332"/>
-          </a:xfrm>
-          <a:prstGeom prst="rect">
-            <a:avLst/>
-          </a:prstGeom>
-          <a:noFill/>
-        </p:spPr>
-        <p:txBody>
-          <a:bodyPr wrap="square" rtlCol="0">
-            <a:spAutoFit/>
-          </a:bodyPr>
-          <a:lstStyle/>
-          <a:p>
-            <a:pPr algn="ctr"/>
-            <a:r>
-              <a:rPr lang="en-US" dirty="0"/>
-              <a:t>Training Set</a:t>
-            </a:r>
-          </a:p>
-        </p:txBody>
-      </p:sp>
-      <p:sp>
-        <p:nvSpPr>
-          <p:cNvPr id="43" name="Arrow: Down 42"/>
+              <a:rPr lang="en-US" sz="1200" dirty="0"/>
+              <a:t>Image Processor</a:t>
+            </a:r>
+          </a:p>
+        </p:txBody>
+      </p:sp>
+      <p:sp>
+        <p:nvSpPr>
+          <p:cNvPr id="92" name="Arrow: Down 91"/>
           <p:cNvSpPr/>
           <p:nvPr/>
         </p:nvSpPr>
         <p:spPr>
-          <a:xfrm rot="19907828">
-            <a:off x="1787950" y="4553655"/>
-            <a:ext cx="188946" cy="414711"/>
+          <a:xfrm>
+            <a:off x="6230273" y="3049412"/>
+            <a:ext cx="237835" cy="257970"/>
           </a:xfrm>
           <a:prstGeom prst="downArrow">
             <a:avLst/>
           </a:prstGeom>
+          <a:solidFill>
+            <a:schemeClr val="accent1">
+              <a:lumMod val="20000"/>
+              <a:lumOff val="80000"/>
+            </a:schemeClr>
+          </a:solidFill>
+          <a:ln>
+            <a:solidFill>
+              <a:schemeClr val="tx1"/>
+            </a:solidFill>
+          </a:ln>
         </p:spPr>
         <p:style>
           <a:lnRef idx="2">
@@ -3430,23 +4155,20 @@
       </p:sp>
       <p:sp>
         <p:nvSpPr>
-          <p:cNvPr id="45" name="Rectangle: Rounded Corners 44"/>
+          <p:cNvPr id="93" name="Rectangle: Rounded Corners 92"/>
           <p:cNvSpPr/>
           <p:nvPr/>
         </p:nvSpPr>
         <p:spPr>
           <a:xfrm>
-            <a:off x="6894641" y="3821097"/>
-            <a:ext cx="2441448" cy="2944225"/>
+            <a:off x="5712151" y="3380233"/>
+            <a:ext cx="1284767" cy="426477"/>
           </a:xfrm>
           <a:prstGeom prst="roundRect">
             <a:avLst/>
           </a:prstGeom>
           <a:solidFill>
-            <a:schemeClr val="accent2">
-              <a:lumMod val="40000"/>
-              <a:lumOff val="60000"/>
-            </a:schemeClr>
+            <a:schemeClr val="bg1"/>
           </a:solidFill>
         </p:spPr>
         <p:style>
@@ -3476,18 +4198,59 @@
       </p:sp>
       <p:sp>
         <p:nvSpPr>
-          <p:cNvPr id="46" name="Rectangle 45"/>
-          <p:cNvSpPr/>
+          <p:cNvPr id="94" name="TextBox 93"/>
+          <p:cNvSpPr txBox="1"/>
           <p:nvPr/>
         </p:nvSpPr>
         <p:spPr>
           <a:xfrm>
-            <a:off x="7199491" y="5033231"/>
-            <a:ext cx="1766266" cy="485819"/>
+            <a:off x="5642343" y="3473016"/>
+            <a:ext cx="1407172" cy="276999"/>
           </a:xfrm>
           <a:prstGeom prst="rect">
             <a:avLst/>
           </a:prstGeom>
+          <a:noFill/>
+        </p:spPr>
+        <p:txBody>
+          <a:bodyPr wrap="square" rtlCol="0">
+            <a:spAutoFit/>
+          </a:bodyPr>
+          <a:lstStyle/>
+          <a:p>
+            <a:pPr algn="ctr"/>
+            <a:r>
+              <a:rPr lang="en-US" sz="1200" dirty="0"/>
+              <a:t>Classifier</a:t>
+            </a:r>
+          </a:p>
+        </p:txBody>
+      </p:sp>
+      <p:sp>
+        <p:nvSpPr>
+          <p:cNvPr id="96" name="Arrow: Down 95"/>
+          <p:cNvSpPr/>
+          <p:nvPr/>
+        </p:nvSpPr>
+        <p:spPr>
+          <a:xfrm>
+            <a:off x="6227011" y="3923815"/>
+            <a:ext cx="237835" cy="257970"/>
+          </a:xfrm>
+          <a:prstGeom prst="downArrow">
+            <a:avLst/>
+          </a:prstGeom>
+          <a:solidFill>
+            <a:schemeClr val="accent1">
+              <a:lumMod val="20000"/>
+              <a:lumOff val="80000"/>
+            </a:schemeClr>
+          </a:solidFill>
+          <a:ln>
+            <a:solidFill>
+              <a:schemeClr val="tx1"/>
+            </a:solidFill>
+          </a:ln>
         </p:spPr>
         <p:style>
           <a:lnRef idx="2">
@@ -3516,14 +4279,14 @@
       </p:sp>
       <p:sp>
         <p:nvSpPr>
-          <p:cNvPr id="47" name="TextBox 46"/>
+          <p:cNvPr id="24" name="TextBox 23"/>
           <p:cNvSpPr txBox="1"/>
           <p:nvPr/>
         </p:nvSpPr>
         <p:spPr>
           <a:xfrm>
-            <a:off x="7501243" y="5125715"/>
-            <a:ext cx="1210521" cy="369332"/>
+            <a:off x="6384329" y="3075652"/>
+            <a:ext cx="713441" cy="246221"/>
           </a:xfrm>
           <a:prstGeom prst="rect">
             <a:avLst/>
@@ -3538,1486 +4301,8 @@
           <a:p>
             <a:pPr algn="ctr"/>
             <a:r>
-              <a:rPr lang="en-US" dirty="0"/>
-              <a:t>Classifier</a:t>
-            </a:r>
-          </a:p>
-        </p:txBody>
-      </p:sp>
-      <p:sp>
-        <p:nvSpPr>
-          <p:cNvPr id="107" name="Oval 106"/>
-          <p:cNvSpPr/>
-          <p:nvPr/>
-        </p:nvSpPr>
-        <p:spPr>
-          <a:xfrm>
-            <a:off x="7501243" y="4051740"/>
-            <a:ext cx="1210521" cy="369332"/>
-          </a:xfrm>
-          <a:prstGeom prst="ellipse">
-            <a:avLst/>
-          </a:prstGeom>
-          <a:solidFill>
-            <a:schemeClr val="bg1"/>
-          </a:solidFill>
-        </p:spPr>
-        <p:style>
-          <a:lnRef idx="2">
-            <a:schemeClr val="accent1">
-              <a:shade val="50000"/>
-            </a:schemeClr>
-          </a:lnRef>
-          <a:fillRef idx="1">
-            <a:schemeClr val="accent1"/>
-          </a:fillRef>
-          <a:effectRef idx="0">
-            <a:schemeClr val="accent1"/>
-          </a:effectRef>
-          <a:fontRef idx="minor">
-            <a:schemeClr val="lt1"/>
-          </a:fontRef>
-        </p:style>
-        <p:txBody>
-          <a:bodyPr rtlCol="0" anchor="ctr"/>
-          <a:lstStyle/>
-          <a:p>
-            <a:pPr algn="ctr"/>
-            <a:endParaRPr lang="en-US"/>
-          </a:p>
-        </p:txBody>
-      </p:sp>
-      <p:sp>
-        <p:nvSpPr>
-          <p:cNvPr id="48" name="TextBox 47"/>
-          <p:cNvSpPr txBox="1"/>
-          <p:nvPr/>
-        </p:nvSpPr>
-        <p:spPr>
-          <a:xfrm>
-            <a:off x="7410004" y="4051740"/>
-            <a:ext cx="1410722" cy="369332"/>
-          </a:xfrm>
-          <a:prstGeom prst="rect">
-            <a:avLst/>
-          </a:prstGeom>
-          <a:noFill/>
-        </p:spPr>
-        <p:txBody>
-          <a:bodyPr wrap="square" rtlCol="0">
-            <a:spAutoFit/>
-          </a:bodyPr>
-          <a:lstStyle/>
-          <a:p>
-            <a:pPr algn="ctr"/>
-            <a:r>
-              <a:rPr lang="en-US" dirty="0"/>
-              <a:t>Actual Set</a:t>
-            </a:r>
-          </a:p>
-        </p:txBody>
-      </p:sp>
-      <p:sp>
-        <p:nvSpPr>
-          <p:cNvPr id="49" name="Arrow: Down 48"/>
-          <p:cNvSpPr/>
-          <p:nvPr/>
-        </p:nvSpPr>
-        <p:spPr>
-          <a:xfrm>
-            <a:off x="8032377" y="5611534"/>
-            <a:ext cx="237835" cy="483341"/>
-          </a:xfrm>
-          <a:prstGeom prst="downArrow">
-            <a:avLst/>
-          </a:prstGeom>
-        </p:spPr>
-        <p:style>
-          <a:lnRef idx="2">
-            <a:schemeClr val="accent1">
-              <a:shade val="50000"/>
-            </a:schemeClr>
-          </a:lnRef>
-          <a:fillRef idx="1">
-            <a:schemeClr val="accent1"/>
-          </a:fillRef>
-          <a:effectRef idx="0">
-            <a:schemeClr val="accent1"/>
-          </a:effectRef>
-          <a:fontRef idx="minor">
-            <a:schemeClr val="lt1"/>
-          </a:fontRef>
-        </p:style>
-        <p:txBody>
-          <a:bodyPr rtlCol="0" anchor="ctr"/>
-          <a:lstStyle/>
-          <a:p>
-            <a:pPr algn="ctr"/>
-            <a:endParaRPr lang="en-US"/>
-          </a:p>
-        </p:txBody>
-      </p:sp>
-      <p:sp>
-        <p:nvSpPr>
-          <p:cNvPr id="50" name="Arrow: Down 49"/>
-          <p:cNvSpPr/>
-          <p:nvPr/>
-        </p:nvSpPr>
-        <p:spPr>
-          <a:xfrm>
-            <a:off x="8032377" y="4497608"/>
-            <a:ext cx="237835" cy="414711"/>
-          </a:xfrm>
-          <a:prstGeom prst="downArrow">
-            <a:avLst/>
-          </a:prstGeom>
-        </p:spPr>
-        <p:style>
-          <a:lnRef idx="2">
-            <a:schemeClr val="accent1">
-              <a:shade val="50000"/>
-            </a:schemeClr>
-          </a:lnRef>
-          <a:fillRef idx="1">
-            <a:schemeClr val="accent1"/>
-          </a:fillRef>
-          <a:effectRef idx="0">
-            <a:schemeClr val="accent1"/>
-          </a:effectRef>
-          <a:fontRef idx="minor">
-            <a:schemeClr val="lt1"/>
-          </a:fontRef>
-        </p:style>
-        <p:txBody>
-          <a:bodyPr rtlCol="0" anchor="ctr"/>
-          <a:lstStyle/>
-          <a:p>
-            <a:pPr algn="ctr"/>
-            <a:endParaRPr lang="en-US"/>
-          </a:p>
-        </p:txBody>
-      </p:sp>
-      <p:sp>
-        <p:nvSpPr>
-          <p:cNvPr id="51" name="TextBox 50"/>
-          <p:cNvSpPr txBox="1"/>
-          <p:nvPr/>
-        </p:nvSpPr>
-        <p:spPr>
-          <a:xfrm>
-            <a:off x="7249467" y="6209090"/>
-            <a:ext cx="1803654" cy="369332"/>
-          </a:xfrm>
-          <a:prstGeom prst="rect">
-            <a:avLst/>
-          </a:prstGeom>
-          <a:noFill/>
-        </p:spPr>
-        <p:txBody>
-          <a:bodyPr wrap="square" rtlCol="0">
-            <a:spAutoFit/>
-          </a:bodyPr>
-          <a:lstStyle/>
-          <a:p>
-            <a:pPr algn="ctr"/>
-            <a:r>
-              <a:rPr lang="en-US" dirty="0"/>
-              <a:t>Classifications</a:t>
-            </a:r>
-          </a:p>
-        </p:txBody>
-      </p:sp>
-      <p:sp>
-        <p:nvSpPr>
-          <p:cNvPr id="53" name="TextBox 52"/>
-          <p:cNvSpPr txBox="1"/>
-          <p:nvPr/>
-        </p:nvSpPr>
-        <p:spPr>
-          <a:xfrm>
-            <a:off x="236076" y="3453411"/>
-            <a:ext cx="2112264" cy="369332"/>
-          </a:xfrm>
-          <a:prstGeom prst="rect">
-            <a:avLst/>
-          </a:prstGeom>
-          <a:noFill/>
-        </p:spPr>
-        <p:txBody>
-          <a:bodyPr wrap="square" rtlCol="0">
-            <a:spAutoFit/>
-          </a:bodyPr>
-          <a:lstStyle/>
-          <a:p>
-            <a:pPr algn="ctr"/>
-            <a:r>
-              <a:rPr lang="en-US" dirty="0"/>
-              <a:t>Training Program</a:t>
-            </a:r>
-          </a:p>
-        </p:txBody>
-      </p:sp>
-      <p:sp>
-        <p:nvSpPr>
-          <p:cNvPr id="56" name="Arrow: Right 55"/>
-          <p:cNvSpPr/>
-          <p:nvPr/>
-        </p:nvSpPr>
-        <p:spPr>
-          <a:xfrm>
-            <a:off x="5237640" y="5056530"/>
-            <a:ext cx="1587087" cy="573108"/>
-          </a:xfrm>
-          <a:prstGeom prst="rightArrow">
-            <a:avLst/>
-          </a:prstGeom>
-          <a:solidFill>
-            <a:schemeClr val="accent2">
-              <a:lumMod val="75000"/>
-            </a:schemeClr>
-          </a:solidFill>
-        </p:spPr>
-        <p:style>
-          <a:lnRef idx="2">
-            <a:schemeClr val="accent1">
-              <a:shade val="50000"/>
-            </a:schemeClr>
-          </a:lnRef>
-          <a:fillRef idx="1">
-            <a:schemeClr val="accent1"/>
-          </a:fillRef>
-          <a:effectRef idx="0">
-            <a:schemeClr val="accent1"/>
-          </a:effectRef>
-          <a:fontRef idx="minor">
-            <a:schemeClr val="lt1"/>
-          </a:fontRef>
-        </p:style>
-        <p:txBody>
-          <a:bodyPr rtlCol="0" anchor="ctr"/>
-          <a:lstStyle/>
-          <a:p>
-            <a:pPr algn="ctr"/>
-            <a:endParaRPr lang="en-US"/>
-          </a:p>
-        </p:txBody>
-      </p:sp>
-      <p:sp>
-        <p:nvSpPr>
-          <p:cNvPr id="63" name="TextBox 62"/>
-          <p:cNvSpPr txBox="1"/>
-          <p:nvPr/>
-        </p:nvSpPr>
-        <p:spPr>
-          <a:xfrm>
-            <a:off x="3061201" y="4105515"/>
-            <a:ext cx="1696297" cy="369332"/>
-          </a:xfrm>
-          <a:prstGeom prst="rect">
-            <a:avLst/>
-          </a:prstGeom>
-          <a:noFill/>
-        </p:spPr>
-        <p:txBody>
-          <a:bodyPr wrap="square" rtlCol="0">
-            <a:spAutoFit/>
-          </a:bodyPr>
-          <a:lstStyle/>
-          <a:p>
-            <a:pPr algn="ctr"/>
-            <a:r>
-              <a:rPr lang="en-US" dirty="0"/>
-              <a:t>Validation Set</a:t>
-            </a:r>
-          </a:p>
-        </p:txBody>
-      </p:sp>
-      <p:sp>
-        <p:nvSpPr>
-          <p:cNvPr id="64" name="Arrow: Down 63"/>
-          <p:cNvSpPr/>
-          <p:nvPr/>
-        </p:nvSpPr>
-        <p:spPr>
-          <a:xfrm>
-            <a:off x="2465385" y="5596459"/>
-            <a:ext cx="237835" cy="483341"/>
-          </a:xfrm>
-          <a:prstGeom prst="downArrow">
-            <a:avLst/>
-          </a:prstGeom>
-        </p:spPr>
-        <p:style>
-          <a:lnRef idx="2">
-            <a:schemeClr val="accent1">
-              <a:shade val="50000"/>
-            </a:schemeClr>
-          </a:lnRef>
-          <a:fillRef idx="1">
-            <a:schemeClr val="accent1"/>
-          </a:fillRef>
-          <a:effectRef idx="0">
-            <a:schemeClr val="accent1"/>
-          </a:effectRef>
-          <a:fontRef idx="minor">
-            <a:schemeClr val="lt1"/>
-          </a:fontRef>
-        </p:style>
-        <p:txBody>
-          <a:bodyPr rtlCol="0" anchor="ctr"/>
-          <a:lstStyle/>
-          <a:p>
-            <a:pPr algn="ctr"/>
-            <a:endParaRPr lang="en-US"/>
-          </a:p>
-        </p:txBody>
-      </p:sp>
-      <p:sp>
-        <p:nvSpPr>
-          <p:cNvPr id="65" name="Arrow: Down 64"/>
-          <p:cNvSpPr/>
-          <p:nvPr/>
-        </p:nvSpPr>
-        <p:spPr>
-          <a:xfrm rot="1870011">
-            <a:off x="3367927" y="4548240"/>
-            <a:ext cx="215463" cy="414711"/>
-          </a:xfrm>
-          <a:prstGeom prst="downArrow">
-            <a:avLst/>
-          </a:prstGeom>
-        </p:spPr>
-        <p:style>
-          <a:lnRef idx="2">
-            <a:schemeClr val="accent1">
-              <a:shade val="50000"/>
-            </a:schemeClr>
-          </a:lnRef>
-          <a:fillRef idx="1">
-            <a:schemeClr val="accent1"/>
-          </a:fillRef>
-          <a:effectRef idx="0">
-            <a:schemeClr val="accent1"/>
-          </a:effectRef>
-          <a:fontRef idx="minor">
-            <a:schemeClr val="lt1"/>
-          </a:fontRef>
-        </p:style>
-        <p:txBody>
-          <a:bodyPr rtlCol="0" anchor="ctr"/>
-          <a:lstStyle/>
-          <a:p>
-            <a:pPr algn="ctr"/>
-            <a:endParaRPr lang="en-US"/>
-          </a:p>
-        </p:txBody>
-      </p:sp>
-      <p:sp>
-        <p:nvSpPr>
-          <p:cNvPr id="66" name="TextBox 65"/>
-          <p:cNvSpPr txBox="1"/>
-          <p:nvPr/>
-        </p:nvSpPr>
-        <p:spPr>
-          <a:xfrm>
-            <a:off x="1327183" y="6191033"/>
-            <a:ext cx="2521326" cy="369332"/>
-          </a:xfrm>
-          <a:prstGeom prst="rect">
-            <a:avLst/>
-          </a:prstGeom>
-          <a:noFill/>
-        </p:spPr>
-        <p:txBody>
-          <a:bodyPr wrap="square" rtlCol="0">
-            <a:spAutoFit/>
-          </a:bodyPr>
-          <a:lstStyle/>
-          <a:p>
-            <a:pPr algn="ctr"/>
-            <a:r>
-              <a:rPr lang="en-US" dirty="0"/>
-              <a:t>Classification Accuracy</a:t>
-            </a:r>
-          </a:p>
-        </p:txBody>
-      </p:sp>
-      <p:sp>
-        <p:nvSpPr>
-          <p:cNvPr id="67" name="TextBox 66"/>
-          <p:cNvSpPr txBox="1"/>
-          <p:nvPr/>
-        </p:nvSpPr>
-        <p:spPr>
-          <a:xfrm>
-            <a:off x="5120498" y="4734324"/>
-            <a:ext cx="1797277" cy="369332"/>
-          </a:xfrm>
-          <a:prstGeom prst="rect">
-            <a:avLst/>
-          </a:prstGeom>
-          <a:noFill/>
-        </p:spPr>
-        <p:txBody>
-          <a:bodyPr wrap="square" rtlCol="0">
-            <a:spAutoFit/>
-          </a:bodyPr>
-          <a:lstStyle/>
-          <a:p>
-            <a:pPr algn="ctr"/>
-            <a:r>
-              <a:rPr lang="en-US" dirty="0"/>
-              <a:t>Accuracy &gt; 60%</a:t>
-            </a:r>
-          </a:p>
-        </p:txBody>
-      </p:sp>
-      <p:sp>
-        <p:nvSpPr>
-          <p:cNvPr id="68" name="Arrow: Right 67"/>
-          <p:cNvSpPr/>
-          <p:nvPr/>
-        </p:nvSpPr>
-        <p:spPr>
-          <a:xfrm>
-            <a:off x="9563140" y="5053744"/>
-            <a:ext cx="1096839" cy="630734"/>
-          </a:xfrm>
-          <a:prstGeom prst="rightArrow">
-            <a:avLst/>
-          </a:prstGeom>
-          <a:solidFill>
-            <a:schemeClr val="accent2">
-              <a:lumMod val="75000"/>
-            </a:schemeClr>
-          </a:solidFill>
-        </p:spPr>
-        <p:style>
-          <a:lnRef idx="2">
-            <a:schemeClr val="accent1">
-              <a:shade val="50000"/>
-            </a:schemeClr>
-          </a:lnRef>
-          <a:fillRef idx="1">
-            <a:schemeClr val="accent1"/>
-          </a:fillRef>
-          <a:effectRef idx="0">
-            <a:schemeClr val="accent1"/>
-          </a:effectRef>
-          <a:fontRef idx="minor">
-            <a:schemeClr val="lt1"/>
-          </a:fontRef>
-        </p:style>
-        <p:txBody>
-          <a:bodyPr rtlCol="0" anchor="ctr"/>
-          <a:lstStyle/>
-          <a:p>
-            <a:pPr algn="ctr"/>
-            <a:endParaRPr lang="en-US"/>
-          </a:p>
-        </p:txBody>
-      </p:sp>
-      <p:sp>
-        <p:nvSpPr>
-          <p:cNvPr id="69" name="TextBox 68"/>
-          <p:cNvSpPr txBox="1"/>
-          <p:nvPr/>
-        </p:nvSpPr>
-        <p:spPr>
-          <a:xfrm>
-            <a:off x="10611256" y="5045945"/>
-            <a:ext cx="1437042" cy="646331"/>
-          </a:xfrm>
-          <a:prstGeom prst="rect">
-            <a:avLst/>
-          </a:prstGeom>
-          <a:noFill/>
-        </p:spPr>
-        <p:txBody>
-          <a:bodyPr wrap="square" rtlCol="0">
-            <a:spAutoFit/>
-          </a:bodyPr>
-          <a:lstStyle/>
-          <a:p>
-            <a:r>
-              <a:rPr lang="en-US" dirty="0"/>
-              <a:t>Classification for all images</a:t>
-            </a:r>
-          </a:p>
-        </p:txBody>
-      </p:sp>
-      <p:sp>
-        <p:nvSpPr>
-          <p:cNvPr id="71" name="TextBox 70"/>
-          <p:cNvSpPr txBox="1"/>
-          <p:nvPr/>
-        </p:nvSpPr>
-        <p:spPr>
-          <a:xfrm>
-            <a:off x="186793" y="921007"/>
-            <a:ext cx="976648" cy="369332"/>
-          </a:xfrm>
-          <a:prstGeom prst="rect">
-            <a:avLst/>
-          </a:prstGeom>
-          <a:noFill/>
-        </p:spPr>
-        <p:txBody>
-          <a:bodyPr wrap="square" rtlCol="0">
-            <a:spAutoFit/>
-          </a:bodyPr>
-          <a:lstStyle/>
-          <a:p>
-            <a:pPr algn="ctr"/>
-            <a:r>
-              <a:rPr lang="en-US" dirty="0"/>
-              <a:t>Image</a:t>
-            </a:r>
-          </a:p>
-        </p:txBody>
-      </p:sp>
-      <p:cxnSp>
-        <p:nvCxnSpPr>
-          <p:cNvPr id="73" name="Straight Arrow Connector 72"/>
-          <p:cNvCxnSpPr/>
-          <p:nvPr/>
-        </p:nvCxnSpPr>
-        <p:spPr>
-          <a:xfrm flipV="1">
-            <a:off x="1544467" y="1199116"/>
-            <a:ext cx="2159185" cy="51091"/>
-          </a:xfrm>
-          <a:prstGeom prst="straightConnector1">
-            <a:avLst/>
-          </a:prstGeom>
-          <a:ln>
-            <a:tailEnd type="triangle"/>
-          </a:ln>
-        </p:spPr>
-        <p:style>
-          <a:lnRef idx="1">
-            <a:schemeClr val="accent1"/>
-          </a:lnRef>
-          <a:fillRef idx="0">
-            <a:schemeClr val="accent1"/>
-          </a:fillRef>
-          <a:effectRef idx="0">
-            <a:schemeClr val="accent1"/>
-          </a:effectRef>
-          <a:fontRef idx="minor">
-            <a:schemeClr val="tx1"/>
-          </a:fontRef>
-        </p:style>
-      </p:cxnSp>
-      <p:sp>
-        <p:nvSpPr>
-          <p:cNvPr id="75" name="TextBox 74"/>
-          <p:cNvSpPr txBox="1"/>
-          <p:nvPr/>
-        </p:nvSpPr>
-        <p:spPr>
-          <a:xfrm>
-            <a:off x="1668865" y="768674"/>
-            <a:ext cx="2415656" cy="369332"/>
-          </a:xfrm>
-          <a:prstGeom prst="rect">
-            <a:avLst/>
-          </a:prstGeom>
-          <a:noFill/>
-        </p:spPr>
-        <p:txBody>
-          <a:bodyPr wrap="square" rtlCol="0">
-            <a:spAutoFit/>
-          </a:bodyPr>
-          <a:lstStyle/>
-          <a:p>
-            <a:r>
-              <a:rPr lang="en-US" dirty="0"/>
-              <a:t>Feature Extraction</a:t>
-            </a:r>
-          </a:p>
-        </p:txBody>
-      </p:sp>
-      <p:sp>
-        <p:nvSpPr>
-          <p:cNvPr id="77" name="Rectangle: Rounded Corners 76"/>
-          <p:cNvSpPr/>
-          <p:nvPr/>
-        </p:nvSpPr>
-        <p:spPr>
-          <a:xfrm>
-            <a:off x="3955718" y="811876"/>
-            <a:ext cx="1792706" cy="438331"/>
-          </a:xfrm>
-          <a:prstGeom prst="roundRect">
-            <a:avLst>
-              <a:gd name="adj" fmla="val 50000"/>
-            </a:avLst>
-          </a:prstGeom>
-          <a:solidFill>
-            <a:schemeClr val="accent3">
-              <a:lumMod val="60000"/>
-              <a:lumOff val="40000"/>
-            </a:schemeClr>
-          </a:solidFill>
-        </p:spPr>
-        <p:style>
-          <a:lnRef idx="2">
-            <a:schemeClr val="accent1">
-              <a:shade val="50000"/>
-            </a:schemeClr>
-          </a:lnRef>
-          <a:fillRef idx="1">
-            <a:schemeClr val="accent1"/>
-          </a:fillRef>
-          <a:effectRef idx="0">
-            <a:schemeClr val="accent1"/>
-          </a:effectRef>
-          <a:fontRef idx="minor">
-            <a:schemeClr val="lt1"/>
-          </a:fontRef>
-        </p:style>
-        <p:txBody>
-          <a:bodyPr rtlCol="0" anchor="ctr"/>
-          <a:lstStyle/>
-          <a:p>
-            <a:pPr algn="ctr"/>
-            <a:endParaRPr lang="en-US" dirty="0"/>
-          </a:p>
-        </p:txBody>
-      </p:sp>
-      <p:sp>
-        <p:nvSpPr>
-          <p:cNvPr id="78" name="TextBox 77"/>
-          <p:cNvSpPr txBox="1"/>
-          <p:nvPr/>
-        </p:nvSpPr>
-        <p:spPr>
-          <a:xfrm>
-            <a:off x="4098181" y="817625"/>
-            <a:ext cx="1650243" cy="369332"/>
-          </a:xfrm>
-          <a:prstGeom prst="rect">
-            <a:avLst/>
-          </a:prstGeom>
-          <a:noFill/>
-        </p:spPr>
-        <p:txBody>
-          <a:bodyPr wrap="square" rtlCol="0">
-            <a:spAutoFit/>
-          </a:bodyPr>
-          <a:lstStyle/>
-          <a:p>
-            <a:pPr algn="ctr"/>
-            <a:r>
-              <a:rPr lang="en-US" dirty="0"/>
-              <a:t>Feature Vector</a:t>
-            </a:r>
-          </a:p>
-        </p:txBody>
-      </p:sp>
-      <p:sp>
-        <p:nvSpPr>
-          <p:cNvPr id="80" name="Rectangle: Rounded Corners 79"/>
-          <p:cNvSpPr/>
-          <p:nvPr/>
-        </p:nvSpPr>
-        <p:spPr>
-          <a:xfrm>
-            <a:off x="3955718" y="1401579"/>
-            <a:ext cx="1792706" cy="438331"/>
-          </a:xfrm>
-          <a:prstGeom prst="roundRect">
-            <a:avLst>
-              <a:gd name="adj" fmla="val 50000"/>
-            </a:avLst>
-          </a:prstGeom>
-          <a:solidFill>
-            <a:schemeClr val="accent3">
-              <a:lumMod val="60000"/>
-              <a:lumOff val="40000"/>
-            </a:schemeClr>
-          </a:solidFill>
-        </p:spPr>
-        <p:style>
-          <a:lnRef idx="2">
-            <a:schemeClr val="accent1">
-              <a:shade val="50000"/>
-            </a:schemeClr>
-          </a:lnRef>
-          <a:fillRef idx="1">
-            <a:schemeClr val="accent1"/>
-          </a:fillRef>
-          <a:effectRef idx="0">
-            <a:schemeClr val="accent1"/>
-          </a:effectRef>
-          <a:fontRef idx="minor">
-            <a:schemeClr val="lt1"/>
-          </a:fontRef>
-        </p:style>
-        <p:txBody>
-          <a:bodyPr rtlCol="0" anchor="ctr"/>
-          <a:lstStyle/>
-          <a:p>
-            <a:pPr algn="ctr"/>
-            <a:endParaRPr lang="en-US" dirty="0"/>
-          </a:p>
-        </p:txBody>
-      </p:sp>
-      <p:sp>
-        <p:nvSpPr>
-          <p:cNvPr id="81" name="TextBox 80"/>
-          <p:cNvSpPr txBox="1"/>
-          <p:nvPr/>
-        </p:nvSpPr>
-        <p:spPr>
-          <a:xfrm>
-            <a:off x="4098181" y="1407328"/>
-            <a:ext cx="1650243" cy="369332"/>
-          </a:xfrm>
-          <a:prstGeom prst="rect">
-            <a:avLst/>
-          </a:prstGeom>
-          <a:noFill/>
-        </p:spPr>
-        <p:txBody>
-          <a:bodyPr wrap="square" rtlCol="0">
-            <a:spAutoFit/>
-          </a:bodyPr>
-          <a:lstStyle/>
-          <a:p>
-            <a:pPr algn="ctr"/>
-            <a:r>
-              <a:rPr lang="en-US" dirty="0"/>
-              <a:t>Feature Vector</a:t>
-            </a:r>
-          </a:p>
-        </p:txBody>
-      </p:sp>
-      <p:sp>
-        <p:nvSpPr>
-          <p:cNvPr id="82" name="Rectangle: Rounded Corners 81"/>
-          <p:cNvSpPr/>
-          <p:nvPr/>
-        </p:nvSpPr>
-        <p:spPr>
-          <a:xfrm>
-            <a:off x="3955718" y="2009833"/>
-            <a:ext cx="1792706" cy="438331"/>
-          </a:xfrm>
-          <a:prstGeom prst="roundRect">
-            <a:avLst>
-              <a:gd name="adj" fmla="val 50000"/>
-            </a:avLst>
-          </a:prstGeom>
-          <a:solidFill>
-            <a:schemeClr val="accent3">
-              <a:lumMod val="60000"/>
-              <a:lumOff val="40000"/>
-            </a:schemeClr>
-          </a:solidFill>
-        </p:spPr>
-        <p:style>
-          <a:lnRef idx="2">
-            <a:schemeClr val="accent1">
-              <a:shade val="50000"/>
-            </a:schemeClr>
-          </a:lnRef>
-          <a:fillRef idx="1">
-            <a:schemeClr val="accent1"/>
-          </a:fillRef>
-          <a:effectRef idx="0">
-            <a:schemeClr val="accent1"/>
-          </a:effectRef>
-          <a:fontRef idx="minor">
-            <a:schemeClr val="lt1"/>
-          </a:fontRef>
-        </p:style>
-        <p:txBody>
-          <a:bodyPr rtlCol="0" anchor="ctr"/>
-          <a:lstStyle/>
-          <a:p>
-            <a:pPr algn="ctr"/>
-            <a:endParaRPr lang="en-US" dirty="0"/>
-          </a:p>
-        </p:txBody>
-      </p:sp>
-      <p:sp>
-        <p:nvSpPr>
-          <p:cNvPr id="83" name="TextBox 82"/>
-          <p:cNvSpPr txBox="1"/>
-          <p:nvPr/>
-        </p:nvSpPr>
-        <p:spPr>
-          <a:xfrm>
-            <a:off x="4098181" y="2015582"/>
-            <a:ext cx="1650243" cy="369332"/>
-          </a:xfrm>
-          <a:prstGeom prst="rect">
-            <a:avLst/>
-          </a:prstGeom>
-          <a:noFill/>
-        </p:spPr>
-        <p:txBody>
-          <a:bodyPr wrap="square" rtlCol="0">
-            <a:spAutoFit/>
-          </a:bodyPr>
-          <a:lstStyle/>
-          <a:p>
-            <a:pPr algn="ctr"/>
-            <a:r>
-              <a:rPr lang="en-US" dirty="0"/>
-              <a:t>Feature Vector</a:t>
-            </a:r>
-          </a:p>
-        </p:txBody>
-      </p:sp>
-      <p:sp>
-        <p:nvSpPr>
-          <p:cNvPr id="86" name="Oval 85"/>
-          <p:cNvSpPr/>
-          <p:nvPr/>
-        </p:nvSpPr>
-        <p:spPr>
-          <a:xfrm>
-            <a:off x="4793726" y="2505621"/>
-            <a:ext cx="87364" cy="129295"/>
-          </a:xfrm>
-          <a:prstGeom prst="ellipse">
-            <a:avLst/>
-          </a:prstGeom>
-        </p:spPr>
-        <p:style>
-          <a:lnRef idx="2">
-            <a:schemeClr val="accent1">
-              <a:shade val="50000"/>
-            </a:schemeClr>
-          </a:lnRef>
-          <a:fillRef idx="1">
-            <a:schemeClr val="accent1"/>
-          </a:fillRef>
-          <a:effectRef idx="0">
-            <a:schemeClr val="accent1"/>
-          </a:effectRef>
-          <a:fontRef idx="minor">
-            <a:schemeClr val="lt1"/>
-          </a:fontRef>
-        </p:style>
-        <p:txBody>
-          <a:bodyPr rtlCol="0" anchor="ctr"/>
-          <a:lstStyle/>
-          <a:p>
-            <a:pPr algn="ctr"/>
-            <a:endParaRPr lang="en-US"/>
-          </a:p>
-        </p:txBody>
-      </p:sp>
-      <p:sp>
-        <p:nvSpPr>
-          <p:cNvPr id="87" name="Oval 86"/>
-          <p:cNvSpPr/>
-          <p:nvPr/>
-        </p:nvSpPr>
-        <p:spPr>
-          <a:xfrm>
-            <a:off x="4793726" y="2803080"/>
-            <a:ext cx="87364" cy="131665"/>
-          </a:xfrm>
-          <a:prstGeom prst="ellipse">
-            <a:avLst/>
-          </a:prstGeom>
-        </p:spPr>
-        <p:style>
-          <a:lnRef idx="2">
-            <a:schemeClr val="accent1">
-              <a:shade val="50000"/>
-            </a:schemeClr>
-          </a:lnRef>
-          <a:fillRef idx="1">
-            <a:schemeClr val="accent1"/>
-          </a:fillRef>
-          <a:effectRef idx="0">
-            <a:schemeClr val="accent1"/>
-          </a:effectRef>
-          <a:fontRef idx="minor">
-            <a:schemeClr val="lt1"/>
-          </a:fontRef>
-        </p:style>
-        <p:txBody>
-          <a:bodyPr rtlCol="0" anchor="ctr"/>
-          <a:lstStyle/>
-          <a:p>
-            <a:pPr algn="ctr"/>
-            <a:endParaRPr lang="en-US"/>
-          </a:p>
-        </p:txBody>
-      </p:sp>
-      <p:sp>
-        <p:nvSpPr>
-          <p:cNvPr id="88" name="Oval 87"/>
-          <p:cNvSpPr/>
-          <p:nvPr/>
-        </p:nvSpPr>
-        <p:spPr>
-          <a:xfrm>
-            <a:off x="4793726" y="3048531"/>
-            <a:ext cx="87364" cy="115766"/>
-          </a:xfrm>
-          <a:prstGeom prst="ellipse">
-            <a:avLst/>
-          </a:prstGeom>
-        </p:spPr>
-        <p:style>
-          <a:lnRef idx="2">
-            <a:schemeClr val="accent1">
-              <a:shade val="50000"/>
-            </a:schemeClr>
-          </a:lnRef>
-          <a:fillRef idx="1">
-            <a:schemeClr val="accent1"/>
-          </a:fillRef>
-          <a:effectRef idx="0">
-            <a:schemeClr val="accent1"/>
-          </a:effectRef>
-          <a:fontRef idx="minor">
-            <a:schemeClr val="lt1"/>
-          </a:fontRef>
-        </p:style>
-        <p:txBody>
-          <a:bodyPr rtlCol="0" anchor="ctr"/>
-          <a:lstStyle/>
-          <a:p>
-            <a:pPr algn="ctr"/>
-            <a:endParaRPr lang="en-US"/>
-          </a:p>
-        </p:txBody>
-      </p:sp>
-      <p:cxnSp>
-        <p:nvCxnSpPr>
-          <p:cNvPr id="91" name="Straight Arrow Connector 90"/>
-          <p:cNvCxnSpPr/>
-          <p:nvPr/>
-        </p:nvCxnSpPr>
-        <p:spPr>
-          <a:xfrm flipV="1">
-            <a:off x="1588525" y="1648984"/>
-            <a:ext cx="2105324" cy="49704"/>
-          </a:xfrm>
-          <a:prstGeom prst="straightConnector1">
-            <a:avLst/>
-          </a:prstGeom>
-          <a:ln>
-            <a:tailEnd type="triangle"/>
-          </a:ln>
-        </p:spPr>
-        <p:style>
-          <a:lnRef idx="1">
-            <a:schemeClr val="accent1"/>
-          </a:lnRef>
-          <a:fillRef idx="0">
-            <a:schemeClr val="accent1"/>
-          </a:fillRef>
-          <a:effectRef idx="0">
-            <a:schemeClr val="accent1"/>
-          </a:effectRef>
-          <a:fontRef idx="minor">
-            <a:schemeClr val="tx1"/>
-          </a:fontRef>
-        </p:style>
-      </p:cxnSp>
-      <p:cxnSp>
-        <p:nvCxnSpPr>
-          <p:cNvPr id="95" name="Straight Arrow Connector 94"/>
-          <p:cNvCxnSpPr/>
-          <p:nvPr/>
-        </p:nvCxnSpPr>
-        <p:spPr>
-          <a:xfrm>
-            <a:off x="1588525" y="2228998"/>
-            <a:ext cx="2105324" cy="0"/>
-          </a:xfrm>
-          <a:prstGeom prst="straightConnector1">
-            <a:avLst/>
-          </a:prstGeom>
-          <a:ln>
-            <a:tailEnd type="triangle"/>
-          </a:ln>
-        </p:spPr>
-        <p:style>
-          <a:lnRef idx="1">
-            <a:schemeClr val="accent1"/>
-          </a:lnRef>
-          <a:fillRef idx="0">
-            <a:schemeClr val="accent1"/>
-          </a:fillRef>
-          <a:effectRef idx="0">
-            <a:schemeClr val="accent1"/>
-          </a:effectRef>
-          <a:fontRef idx="minor">
-            <a:schemeClr val="tx1"/>
-          </a:fontRef>
-        </p:style>
-      </p:cxnSp>
-      <p:cxnSp>
-        <p:nvCxnSpPr>
-          <p:cNvPr id="97" name="Straight Arrow Connector 96"/>
-          <p:cNvCxnSpPr/>
-          <p:nvPr/>
-        </p:nvCxnSpPr>
-        <p:spPr>
-          <a:xfrm flipV="1">
-            <a:off x="1565771" y="2753847"/>
-            <a:ext cx="2115127" cy="26269"/>
-          </a:xfrm>
-          <a:prstGeom prst="straightConnector1">
-            <a:avLst/>
-          </a:prstGeom>
-          <a:ln>
-            <a:tailEnd type="triangle"/>
-          </a:ln>
-        </p:spPr>
-        <p:style>
-          <a:lnRef idx="1">
-            <a:schemeClr val="accent1"/>
-          </a:lnRef>
-          <a:fillRef idx="0">
-            <a:schemeClr val="accent1"/>
-          </a:fillRef>
-          <a:effectRef idx="0">
-            <a:schemeClr val="accent1"/>
-          </a:effectRef>
-          <a:fontRef idx="minor">
-            <a:schemeClr val="tx1"/>
-          </a:fontRef>
-        </p:style>
-      </p:cxnSp>
-      <p:sp>
-        <p:nvSpPr>
-          <p:cNvPr id="98" name="Arrow: Right 97"/>
-          <p:cNvSpPr/>
-          <p:nvPr/>
-        </p:nvSpPr>
-        <p:spPr>
-          <a:xfrm>
-            <a:off x="6920742" y="1072118"/>
-            <a:ext cx="1033630" cy="1401501"/>
-          </a:xfrm>
-          <a:prstGeom prst="rightArrow">
-            <a:avLst/>
-          </a:prstGeom>
-        </p:spPr>
-        <p:style>
-          <a:lnRef idx="2">
-            <a:schemeClr val="accent1">
-              <a:shade val="50000"/>
-            </a:schemeClr>
-          </a:lnRef>
-          <a:fillRef idx="1">
-            <a:schemeClr val="accent1"/>
-          </a:fillRef>
-          <a:effectRef idx="0">
-            <a:schemeClr val="accent1"/>
-          </a:effectRef>
-          <a:fontRef idx="minor">
-            <a:schemeClr val="lt1"/>
-          </a:fontRef>
-        </p:style>
-        <p:txBody>
-          <a:bodyPr rtlCol="0" anchor="ctr"/>
-          <a:lstStyle/>
-          <a:p>
-            <a:pPr algn="ctr"/>
-            <a:endParaRPr lang="en-US"/>
-          </a:p>
-        </p:txBody>
-      </p:sp>
-      <p:sp>
-        <p:nvSpPr>
-          <p:cNvPr id="99" name="Oval 98"/>
-          <p:cNvSpPr/>
-          <p:nvPr/>
-        </p:nvSpPr>
-        <p:spPr>
-          <a:xfrm>
-            <a:off x="8614995" y="886655"/>
-            <a:ext cx="3295671" cy="1798547"/>
-          </a:xfrm>
-          <a:prstGeom prst="ellipse">
-            <a:avLst/>
-          </a:prstGeom>
-          <a:solidFill>
-            <a:schemeClr val="bg1"/>
-          </a:solidFill>
-        </p:spPr>
-        <p:style>
-          <a:lnRef idx="2">
-            <a:schemeClr val="accent1">
-              <a:shade val="50000"/>
-            </a:schemeClr>
-          </a:lnRef>
-          <a:fillRef idx="1">
-            <a:schemeClr val="accent1"/>
-          </a:fillRef>
-          <a:effectRef idx="0">
-            <a:schemeClr val="accent1"/>
-          </a:effectRef>
-          <a:fontRef idx="minor">
-            <a:schemeClr val="lt1"/>
-          </a:fontRef>
-        </p:style>
-        <p:txBody>
-          <a:bodyPr rtlCol="0" anchor="ctr"/>
-          <a:lstStyle/>
-          <a:p>
-            <a:pPr algn="ctr"/>
-            <a:endParaRPr lang="en-US"/>
-          </a:p>
-        </p:txBody>
-      </p:sp>
-      <p:sp>
-        <p:nvSpPr>
-          <p:cNvPr id="100" name="TextBox 99"/>
-          <p:cNvSpPr txBox="1"/>
-          <p:nvPr/>
-        </p:nvSpPr>
-        <p:spPr>
-          <a:xfrm>
-            <a:off x="9282256" y="1601262"/>
-            <a:ext cx="1961147" cy="369332"/>
-          </a:xfrm>
-          <a:prstGeom prst="rect">
-            <a:avLst/>
-          </a:prstGeom>
-          <a:noFill/>
-        </p:spPr>
-        <p:txBody>
-          <a:bodyPr wrap="square" rtlCol="0">
-            <a:spAutoFit/>
-          </a:bodyPr>
-          <a:lstStyle/>
-          <a:p>
-            <a:pPr algn="ctr"/>
-            <a:r>
-              <a:rPr lang="en-US" dirty="0"/>
-              <a:t>Input Set</a:t>
-            </a:r>
-          </a:p>
-        </p:txBody>
-      </p:sp>
-      <p:sp>
-        <p:nvSpPr>
-          <p:cNvPr id="109" name="Rectangle: Rounded Corners 108"/>
-          <p:cNvSpPr/>
-          <p:nvPr/>
-        </p:nvSpPr>
-        <p:spPr>
-          <a:xfrm>
-            <a:off x="79478" y="1464494"/>
-            <a:ext cx="1216927" cy="315812"/>
-          </a:xfrm>
-          <a:prstGeom prst="roundRect">
-            <a:avLst/>
-          </a:prstGeom>
-        </p:spPr>
-        <p:style>
-          <a:lnRef idx="2">
-            <a:schemeClr val="accent1">
-              <a:shade val="50000"/>
-            </a:schemeClr>
-          </a:lnRef>
-          <a:fillRef idx="1">
-            <a:schemeClr val="accent1"/>
-          </a:fillRef>
-          <a:effectRef idx="0">
-            <a:schemeClr val="accent1"/>
-          </a:effectRef>
-          <a:fontRef idx="minor">
-            <a:schemeClr val="lt1"/>
-          </a:fontRef>
-        </p:style>
-        <p:txBody>
-          <a:bodyPr rtlCol="0" anchor="ctr"/>
-          <a:lstStyle/>
-          <a:p>
-            <a:pPr algn="ctr"/>
-            <a:endParaRPr lang="en-US"/>
-          </a:p>
-        </p:txBody>
-      </p:sp>
-      <p:sp>
-        <p:nvSpPr>
-          <p:cNvPr id="110" name="TextBox 109"/>
-          <p:cNvSpPr txBox="1"/>
-          <p:nvPr/>
-        </p:nvSpPr>
-        <p:spPr>
-          <a:xfrm>
-            <a:off x="195202" y="1410974"/>
-            <a:ext cx="976648" cy="369332"/>
-          </a:xfrm>
-          <a:prstGeom prst="rect">
-            <a:avLst/>
-          </a:prstGeom>
-          <a:noFill/>
-        </p:spPr>
-        <p:txBody>
-          <a:bodyPr wrap="square" rtlCol="0">
-            <a:spAutoFit/>
-          </a:bodyPr>
-          <a:lstStyle/>
-          <a:p>
-            <a:pPr algn="ctr"/>
-            <a:r>
-              <a:rPr lang="en-US" dirty="0"/>
-              <a:t>Image</a:t>
-            </a:r>
-          </a:p>
-        </p:txBody>
-      </p:sp>
-      <p:sp>
-        <p:nvSpPr>
-          <p:cNvPr id="111" name="Rectangle: Rounded Corners 110"/>
-          <p:cNvSpPr/>
-          <p:nvPr/>
-        </p:nvSpPr>
-        <p:spPr>
-          <a:xfrm>
-            <a:off x="79478" y="2051052"/>
-            <a:ext cx="1216927" cy="315812"/>
-          </a:xfrm>
-          <a:prstGeom prst="roundRect">
-            <a:avLst/>
-          </a:prstGeom>
-        </p:spPr>
-        <p:style>
-          <a:lnRef idx="2">
-            <a:schemeClr val="accent1">
-              <a:shade val="50000"/>
-            </a:schemeClr>
-          </a:lnRef>
-          <a:fillRef idx="1">
-            <a:schemeClr val="accent1"/>
-          </a:fillRef>
-          <a:effectRef idx="0">
-            <a:schemeClr val="accent1"/>
-          </a:effectRef>
-          <a:fontRef idx="minor">
-            <a:schemeClr val="lt1"/>
-          </a:fontRef>
-        </p:style>
-        <p:txBody>
-          <a:bodyPr rtlCol="0" anchor="ctr"/>
-          <a:lstStyle/>
-          <a:p>
-            <a:pPr algn="ctr"/>
-            <a:endParaRPr lang="en-US"/>
-          </a:p>
-        </p:txBody>
-      </p:sp>
-      <p:sp>
-        <p:nvSpPr>
-          <p:cNvPr id="112" name="TextBox 111"/>
-          <p:cNvSpPr txBox="1"/>
-          <p:nvPr/>
-        </p:nvSpPr>
-        <p:spPr>
-          <a:xfrm>
-            <a:off x="195202" y="1997532"/>
-            <a:ext cx="976648" cy="369332"/>
-          </a:xfrm>
-          <a:prstGeom prst="rect">
-            <a:avLst/>
-          </a:prstGeom>
-          <a:noFill/>
-        </p:spPr>
-        <p:txBody>
-          <a:bodyPr wrap="square" rtlCol="0">
-            <a:spAutoFit/>
-          </a:bodyPr>
-          <a:lstStyle/>
-          <a:p>
-            <a:pPr algn="ctr"/>
-            <a:r>
-              <a:rPr lang="en-US" dirty="0"/>
-              <a:t>Image</a:t>
-            </a:r>
-          </a:p>
-        </p:txBody>
-      </p:sp>
-      <p:sp>
-        <p:nvSpPr>
-          <p:cNvPr id="113" name="Oval 112"/>
-          <p:cNvSpPr/>
-          <p:nvPr/>
-        </p:nvSpPr>
-        <p:spPr>
-          <a:xfrm>
-            <a:off x="669498" y="2726093"/>
-            <a:ext cx="87364" cy="131665"/>
-          </a:xfrm>
-          <a:prstGeom prst="ellipse">
-            <a:avLst/>
-          </a:prstGeom>
-        </p:spPr>
-        <p:style>
-          <a:lnRef idx="2">
-            <a:schemeClr val="accent1">
-              <a:shade val="50000"/>
-            </a:schemeClr>
-          </a:lnRef>
-          <a:fillRef idx="1">
-            <a:schemeClr val="accent1"/>
-          </a:fillRef>
-          <a:effectRef idx="0">
-            <a:schemeClr val="accent1"/>
-          </a:effectRef>
-          <a:fontRef idx="minor">
-            <a:schemeClr val="lt1"/>
-          </a:fontRef>
-        </p:style>
-        <p:txBody>
-          <a:bodyPr rtlCol="0" anchor="ctr"/>
-          <a:lstStyle/>
-          <a:p>
-            <a:pPr algn="ctr"/>
-            <a:endParaRPr lang="en-US"/>
-          </a:p>
-        </p:txBody>
-      </p:sp>
-      <p:sp>
-        <p:nvSpPr>
-          <p:cNvPr id="114" name="Oval 113"/>
-          <p:cNvSpPr/>
-          <p:nvPr/>
-        </p:nvSpPr>
-        <p:spPr>
-          <a:xfrm>
-            <a:off x="669498" y="2971544"/>
-            <a:ext cx="87364" cy="115766"/>
-          </a:xfrm>
-          <a:prstGeom prst="ellipse">
-            <a:avLst/>
-          </a:prstGeom>
-        </p:spPr>
-        <p:style>
-          <a:lnRef idx="2">
-            <a:schemeClr val="accent1">
-              <a:shade val="50000"/>
-            </a:schemeClr>
-          </a:lnRef>
-          <a:fillRef idx="1">
-            <a:schemeClr val="accent1"/>
-          </a:fillRef>
-          <a:effectRef idx="0">
-            <a:schemeClr val="accent1"/>
-          </a:effectRef>
-          <a:fontRef idx="minor">
-            <a:schemeClr val="lt1"/>
-          </a:fontRef>
-        </p:style>
-        <p:txBody>
-          <a:bodyPr rtlCol="0" anchor="ctr"/>
-          <a:lstStyle/>
-          <a:p>
-            <a:pPr algn="ctr"/>
-            <a:endParaRPr lang="en-US"/>
-          </a:p>
-        </p:txBody>
-      </p:sp>
-      <p:sp>
-        <p:nvSpPr>
-          <p:cNvPr id="115" name="Oval 114"/>
-          <p:cNvSpPr/>
-          <p:nvPr/>
-        </p:nvSpPr>
-        <p:spPr>
-          <a:xfrm>
-            <a:off x="669498" y="2462134"/>
-            <a:ext cx="87364" cy="131665"/>
-          </a:xfrm>
-          <a:prstGeom prst="ellipse">
-            <a:avLst/>
-          </a:prstGeom>
-        </p:spPr>
-        <p:style>
-          <a:lnRef idx="2">
-            <a:schemeClr val="accent1">
-              <a:shade val="50000"/>
-            </a:schemeClr>
-          </a:lnRef>
-          <a:fillRef idx="1">
-            <a:schemeClr val="accent1"/>
-          </a:fillRef>
-          <a:effectRef idx="0">
-            <a:schemeClr val="accent1"/>
-          </a:effectRef>
-          <a:fontRef idx="minor">
-            <a:schemeClr val="lt1"/>
-          </a:fontRef>
-        </p:style>
-        <p:txBody>
-          <a:bodyPr rtlCol="0" anchor="ctr"/>
-          <a:lstStyle/>
-          <a:p>
-            <a:pPr algn="ctr"/>
-            <a:endParaRPr lang="en-US"/>
-          </a:p>
-        </p:txBody>
-      </p:sp>
-      <p:sp>
-        <p:nvSpPr>
-          <p:cNvPr id="121" name="TextBox 120"/>
-          <p:cNvSpPr txBox="1"/>
-          <p:nvPr/>
-        </p:nvSpPr>
-        <p:spPr>
-          <a:xfrm>
-            <a:off x="-60" y="240848"/>
-            <a:ext cx="2575878" cy="369332"/>
-          </a:xfrm>
-          <a:prstGeom prst="rect">
-            <a:avLst/>
-          </a:prstGeom>
-          <a:noFill/>
-        </p:spPr>
-        <p:txBody>
-          <a:bodyPr wrap="square" rtlCol="0">
-            <a:spAutoFit/>
-          </a:bodyPr>
-          <a:lstStyle/>
-          <a:p>
-            <a:r>
-              <a:rPr lang="en-US" b="1" u="sng" dirty="0"/>
-              <a:t>Creating the Input Set</a:t>
-            </a:r>
-          </a:p>
-        </p:txBody>
-      </p:sp>
-      <p:sp>
-        <p:nvSpPr>
-          <p:cNvPr id="122" name="TextBox 121"/>
-          <p:cNvSpPr txBox="1"/>
-          <p:nvPr/>
-        </p:nvSpPr>
-        <p:spPr>
-          <a:xfrm>
-            <a:off x="79928" y="3127336"/>
-            <a:ext cx="3624175" cy="369332"/>
-          </a:xfrm>
-          <a:prstGeom prst="rect">
-            <a:avLst/>
-          </a:prstGeom>
-          <a:noFill/>
-        </p:spPr>
-        <p:txBody>
-          <a:bodyPr wrap="square" rtlCol="0">
-            <a:spAutoFit/>
-          </a:bodyPr>
-          <a:lstStyle/>
-          <a:p>
-            <a:r>
-              <a:rPr lang="en-US" b="1" u="sng" dirty="0"/>
-              <a:t>Creating the Classification Output</a:t>
+              <a:rPr lang="en-US" sz="1000" dirty="0"/>
+              <a:t>Features</a:t>
             </a:r>
           </a:p>
         </p:txBody>
